--- a/graph.pptx
+++ b/graph.pptx
@@ -5,19 +5,20 @@
     <p:sldMasterId id="2147483648" r:id="rId1"/>
   </p:sldMasterIdLst>
   <p:notesMasterIdLst>
-    <p:notesMasterId r:id="rId9"/>
+    <p:notesMasterId r:id="rId10"/>
   </p:notesMasterIdLst>
   <p:handoutMasterIdLst>
-    <p:handoutMasterId r:id="rId10"/>
+    <p:handoutMasterId r:id="rId11"/>
   </p:handoutMasterIdLst>
   <p:sldIdLst>
-    <p:sldId id="349" r:id="rId2"/>
-    <p:sldId id="348" r:id="rId3"/>
-    <p:sldId id="350" r:id="rId4"/>
-    <p:sldId id="344" r:id="rId5"/>
-    <p:sldId id="345" r:id="rId6"/>
-    <p:sldId id="346" r:id="rId7"/>
-    <p:sldId id="351" r:id="rId8"/>
+    <p:sldId id="352" r:id="rId2"/>
+    <p:sldId id="349" r:id="rId3"/>
+    <p:sldId id="348" r:id="rId4"/>
+    <p:sldId id="350" r:id="rId5"/>
+    <p:sldId id="344" r:id="rId6"/>
+    <p:sldId id="345" r:id="rId7"/>
+    <p:sldId id="346" r:id="rId8"/>
+    <p:sldId id="351" r:id="rId9"/>
   </p:sldIdLst>
   <p:sldSz cx="9144000" cy="6858000" type="screen4x3"/>
   <p:notesSz cx="6858000" cy="9144000"/>
@@ -232,7 +233,7 @@
             <a:fld id="{E3A52414-35A0-42DF-BB16-BC48DD02CE33}" type="datetimeFigureOut">
               <a:rPr lang="en-US" smtClean="0"/>
               <a:pPr/>
-              <a:t>12/15/2018</a:t>
+              <a:t>12/16/2018</a:t>
             </a:fld>
             <a:endParaRPr lang="en-US"/>
           </a:p>
@@ -399,7 +400,7 @@
             <a:fld id="{B6B2D00D-774E-4257-B249-00B5460D641A}" type="datetimeFigureOut">
               <a:rPr lang="de-DE" smtClean="0"/>
               <a:pPr/>
-              <a:t>15.12.2018</a:t>
+              <a:t>16.12.2018</a:t>
             </a:fld>
             <a:endParaRPr lang="de-DE"/>
           </a:p>
@@ -849,7 +850,7 @@
             <a:fld id="{28723C7C-1933-4B7D-A8D3-78EE0323587D}" type="datetimeFigureOut">
               <a:rPr lang="de-DE" smtClean="0"/>
               <a:pPr/>
-              <a:t>15.12.2018</a:t>
+              <a:t>16.12.2018</a:t>
             </a:fld>
             <a:endParaRPr lang="de-DE"/>
           </a:p>
@@ -1014,7 +1015,7 @@
             <a:fld id="{28723C7C-1933-4B7D-A8D3-78EE0323587D}" type="datetimeFigureOut">
               <a:rPr lang="de-DE" smtClean="0"/>
               <a:pPr/>
-              <a:t>15.12.2018</a:t>
+              <a:t>16.12.2018</a:t>
             </a:fld>
             <a:endParaRPr lang="de-DE"/>
           </a:p>
@@ -1189,7 +1190,7 @@
             <a:fld id="{28723C7C-1933-4B7D-A8D3-78EE0323587D}" type="datetimeFigureOut">
               <a:rPr lang="de-DE" smtClean="0"/>
               <a:pPr/>
-              <a:t>15.12.2018</a:t>
+              <a:t>16.12.2018</a:t>
             </a:fld>
             <a:endParaRPr lang="de-DE"/>
           </a:p>
@@ -1354,7 +1355,7 @@
             <a:fld id="{28723C7C-1933-4B7D-A8D3-78EE0323587D}" type="datetimeFigureOut">
               <a:rPr lang="de-DE" smtClean="0"/>
               <a:pPr/>
-              <a:t>15.12.2018</a:t>
+              <a:t>16.12.2018</a:t>
             </a:fld>
             <a:endParaRPr lang="de-DE"/>
           </a:p>
@@ -1596,7 +1597,7 @@
             <a:fld id="{28723C7C-1933-4B7D-A8D3-78EE0323587D}" type="datetimeFigureOut">
               <a:rPr lang="de-DE" smtClean="0"/>
               <a:pPr/>
-              <a:t>15.12.2018</a:t>
+              <a:t>16.12.2018</a:t>
             </a:fld>
             <a:endParaRPr lang="de-DE"/>
           </a:p>
@@ -1878,7 +1879,7 @@
             <a:fld id="{28723C7C-1933-4B7D-A8D3-78EE0323587D}" type="datetimeFigureOut">
               <a:rPr lang="de-DE" smtClean="0"/>
               <a:pPr/>
-              <a:t>15.12.2018</a:t>
+              <a:t>16.12.2018</a:t>
             </a:fld>
             <a:endParaRPr lang="de-DE"/>
           </a:p>
@@ -2294,7 +2295,7 @@
             <a:fld id="{28723C7C-1933-4B7D-A8D3-78EE0323587D}" type="datetimeFigureOut">
               <a:rPr lang="de-DE" smtClean="0"/>
               <a:pPr/>
-              <a:t>15.12.2018</a:t>
+              <a:t>16.12.2018</a:t>
             </a:fld>
             <a:endParaRPr lang="de-DE"/>
           </a:p>
@@ -2408,7 +2409,7 @@
             <a:fld id="{28723C7C-1933-4B7D-A8D3-78EE0323587D}" type="datetimeFigureOut">
               <a:rPr lang="de-DE" smtClean="0"/>
               <a:pPr/>
-              <a:t>15.12.2018</a:t>
+              <a:t>16.12.2018</a:t>
             </a:fld>
             <a:endParaRPr lang="de-DE"/>
           </a:p>
@@ -2500,7 +2501,7 @@
             <a:fld id="{28723C7C-1933-4B7D-A8D3-78EE0323587D}" type="datetimeFigureOut">
               <a:rPr lang="de-DE" smtClean="0"/>
               <a:pPr/>
-              <a:t>15.12.2018</a:t>
+              <a:t>16.12.2018</a:t>
             </a:fld>
             <a:endParaRPr lang="de-DE"/>
           </a:p>
@@ -2772,7 +2773,7 @@
             <a:fld id="{28723C7C-1933-4B7D-A8D3-78EE0323587D}" type="datetimeFigureOut">
               <a:rPr lang="de-DE" smtClean="0"/>
               <a:pPr/>
-              <a:t>15.12.2018</a:t>
+              <a:t>16.12.2018</a:t>
             </a:fld>
             <a:endParaRPr lang="de-DE"/>
           </a:p>
@@ -3021,7 +3022,7 @@
             <a:fld id="{28723C7C-1933-4B7D-A8D3-78EE0323587D}" type="datetimeFigureOut">
               <a:rPr lang="de-DE" smtClean="0"/>
               <a:pPr/>
-              <a:t>15.12.2018</a:t>
+              <a:t>16.12.2018</a:t>
             </a:fld>
             <a:endParaRPr lang="de-DE"/>
           </a:p>
@@ -3229,7 +3230,7 @@
             <a:fld id="{28723C7C-1933-4B7D-A8D3-78EE0323587D}" type="datetimeFigureOut">
               <a:rPr lang="de-DE" smtClean="0"/>
               <a:pPr/>
-              <a:t>15.12.2018</a:t>
+              <a:t>16.12.2018</a:t>
             </a:fld>
             <a:endParaRPr lang="de-DE"/>
           </a:p>
@@ -3602,6 +3603,68 @@
       </p:grpSpPr>
       <p:sp>
         <p:nvSpPr>
+          <p:cNvPr id="2" name="TextBox 1">
+            <a:extLst>
+              <a:ext uri="{FF2B5EF4-FFF2-40B4-BE49-F238E27FC236}">
+                <a16:creationId xmlns:a16="http://schemas.microsoft.com/office/drawing/2014/main" id="{0F429564-823D-467F-8F6F-3FE25073CDC1}"/>
+              </a:ext>
+            </a:extLst>
+          </p:cNvPr>
+          <p:cNvSpPr txBox="1"/>
+          <p:nvPr/>
+        </p:nvSpPr>
+        <p:spPr>
+          <a:xfrm>
+            <a:off x="1270000" y="1270000"/>
+            <a:ext cx="2540000" cy="635000"/>
+          </a:xfrm>
+          <a:prstGeom prst="rect">
+            <a:avLst/>
+          </a:prstGeom>
+          <a:noFill/>
+        </p:spPr>
+        <p:txBody>
+          <a:bodyPr vert="horz" rtlCol="0">
+            <a:spAutoFit/>
+          </a:bodyPr>
+          <a:lstStyle/>
+          <a:p>
+            <a:endParaRPr lang="en-US"/>
+          </a:p>
+        </p:txBody>
+      </p:sp>
+    </p:spTree>
+    <p:extLst>
+      <p:ext uri="{BB962C8B-B14F-4D97-AF65-F5344CB8AC3E}">
+        <p14:creationId xmlns:p14="http://schemas.microsoft.com/office/powerpoint/2010/main" val="1884590682"/>
+      </p:ext>
+    </p:extLst>
+  </p:cSld>
+  <p:clrMapOvr>
+    <a:masterClrMapping/>
+  </p:clrMapOvr>
+</p:sld>
+</file>
+
+<file path=ppt/slides/slide2.xml><?xml version="1.0" encoding="utf-8"?>
+<p:sld xmlns:a="http://schemas.openxmlformats.org/drawingml/2006/main" xmlns:r="http://schemas.openxmlformats.org/officeDocument/2006/relationships" xmlns:p="http://schemas.openxmlformats.org/presentationml/2006/main">
+  <p:cSld>
+    <p:spTree>
+      <p:nvGrpSpPr>
+        <p:cNvPr id="1" name=""/>
+        <p:cNvGrpSpPr/>
+        <p:nvPr/>
+      </p:nvGrpSpPr>
+      <p:grpSpPr>
+        <a:xfrm>
+          <a:off x="0" y="0"/>
+          <a:ext cx="0" cy="0"/>
+          <a:chOff x="0" y="0"/>
+          <a:chExt cx="0" cy="0"/>
+        </a:xfrm>
+      </p:grpSpPr>
+      <p:sp>
+        <p:nvSpPr>
           <p:cNvPr id="2" name="Titel 1"/>
           <p:cNvSpPr>
             <a:spLocks noGrp="1"/>
@@ -3641,7 +3704,7 @@
         </p:nvSpPr>
         <p:spPr>
           <a:xfrm>
-            <a:off x="233915" y="1180216"/>
+            <a:off x="233915" y="1199708"/>
             <a:ext cx="8516679" cy="4458584"/>
           </a:xfrm>
         </p:spPr>
@@ -3829,7 +3892,7 @@
 </p:sld>
 </file>
 
-<file path=ppt/slides/slide2.xml><?xml version="1.0" encoding="utf-8"?>
+<file path=ppt/slides/slide3.xml><?xml version="1.0" encoding="utf-8"?>
 <p:sld xmlns:a="http://schemas.openxmlformats.org/drawingml/2006/main" xmlns:r="http://schemas.openxmlformats.org/officeDocument/2006/relationships" xmlns:p="http://schemas.openxmlformats.org/presentationml/2006/main">
   <p:cSld>
     <p:spTree>
@@ -5360,386 +5423,6 @@
 </p:sld>
 </file>
 
-<file path=ppt/slides/slide3.xml><?xml version="1.0" encoding="utf-8"?>
-<p:sld xmlns:a="http://schemas.openxmlformats.org/drawingml/2006/main" xmlns:r="http://schemas.openxmlformats.org/officeDocument/2006/relationships" xmlns:p="http://schemas.openxmlformats.org/presentationml/2006/main">
-  <p:cSld>
-    <p:spTree>
-      <p:nvGrpSpPr>
-        <p:cNvPr id="1" name=""/>
-        <p:cNvGrpSpPr/>
-        <p:nvPr/>
-      </p:nvGrpSpPr>
-      <p:grpSpPr>
-        <a:xfrm>
-          <a:off x="0" y="0"/>
-          <a:ext cx="0" cy="0"/>
-          <a:chOff x="0" y="0"/>
-          <a:chExt cx="0" cy="0"/>
-        </a:xfrm>
-      </p:grpSpPr>
-      <p:sp>
-        <p:nvSpPr>
-          <p:cNvPr id="2" name="Titel 1"/>
-          <p:cNvSpPr>
-            <a:spLocks noGrp="1"/>
-          </p:cNvSpPr>
-          <p:nvPr>
-            <p:ph type="ctrTitle"/>
-          </p:nvPr>
-        </p:nvSpPr>
-        <p:spPr>
-          <a:xfrm>
-            <a:off x="685800" y="159488"/>
-            <a:ext cx="7772400" cy="627321"/>
-          </a:xfrm>
-        </p:spPr>
-        <p:txBody>
-          <a:bodyPr>
-            <a:normAutofit/>
-          </a:bodyPr>
-          <a:lstStyle/>
-          <a:p>
-            <a:r>
-              <a:rPr lang="en-US" sz="2800" b="1" noProof="0" dirty="0"/>
-              <a:t>Remarks</a:t>
-            </a:r>
-          </a:p>
-        </p:txBody>
-      </p:sp>
-      <p:sp>
-        <p:nvSpPr>
-          <p:cNvPr id="3" name="Untertitel 2"/>
-          <p:cNvSpPr>
-            <a:spLocks noGrp="1"/>
-          </p:cNvSpPr>
-          <p:nvPr>
-            <p:ph type="subTitle" idx="1"/>
-          </p:nvPr>
-        </p:nvSpPr>
-        <p:spPr>
-          <a:xfrm>
-            <a:off x="233915" y="786809"/>
-            <a:ext cx="8516679" cy="4851991"/>
-          </a:xfrm>
-        </p:spPr>
-        <p:txBody>
-          <a:bodyPr>
-            <a:normAutofit/>
-          </a:bodyPr>
-          <a:lstStyle/>
-          <a:p>
-            <a:pPr algn="l"/>
-            <a:r>
-              <a:rPr lang="en-US" sz="2400" dirty="0">
-                <a:solidFill>
-                  <a:schemeClr val="tx1"/>
-                </a:solidFill>
-                <a:latin typeface="+mj-lt"/>
-              </a:rPr>
-              <a:t>Assembling your own interconnection graphic from the modules: </a:t>
-            </a:r>
-          </a:p>
-          <a:p>
-            <a:pPr algn="l"/>
-            <a:endParaRPr lang="en-US" sz="2400" dirty="0">
-              <a:solidFill>
-                <a:schemeClr val="tx1"/>
-              </a:solidFill>
-              <a:latin typeface="+mj-lt"/>
-            </a:endParaRPr>
-          </a:p>
-          <a:p>
-            <a:pPr algn="l">
-              <a:buFont typeface="Arial" pitchFamily="34" charset="0"/>
-              <a:buChar char="•"/>
-            </a:pPr>
-            <a:r>
-              <a:rPr lang="en-US" sz="1800" dirty="0">
-                <a:solidFill>
-                  <a:schemeClr val="tx1"/>
-                </a:solidFill>
-                <a:latin typeface="+mj-lt"/>
-              </a:rPr>
-              <a:t> The graphics should be </a:t>
-            </a:r>
-            <a:r>
-              <a:rPr lang="en-US" sz="1800" dirty="0" err="1">
-                <a:solidFill>
-                  <a:schemeClr val="tx1"/>
-                </a:solidFill>
-                <a:latin typeface="+mj-lt"/>
-              </a:rPr>
-              <a:t>contentually</a:t>
-            </a:r>
-            <a:r>
-              <a:rPr lang="en-US" sz="1800" dirty="0">
-                <a:solidFill>
-                  <a:schemeClr val="tx1"/>
-                </a:solidFill>
-                <a:latin typeface="+mj-lt"/>
-              </a:rPr>
-              <a:t> based on the proposal (Appendix 3 of the report,</a:t>
-            </a:r>
-            <a:br>
-              <a:rPr lang="en-US" sz="1800" dirty="0">
-                <a:solidFill>
-                  <a:schemeClr val="tx1"/>
-                </a:solidFill>
-                <a:latin typeface="+mj-lt"/>
-              </a:rPr>
-            </a:br>
-            <a:r>
-              <a:rPr lang="en-US" sz="1800" dirty="0">
-                <a:solidFill>
-                  <a:schemeClr val="tx1"/>
-                </a:solidFill>
-                <a:latin typeface="+mj-lt"/>
-              </a:rPr>
-              <a:t>Interconnection graphic from the proposal, further texts in the proposal)</a:t>
-            </a:r>
-          </a:p>
-          <a:p>
-            <a:pPr algn="l">
-              <a:buFont typeface="Arial" pitchFamily="34" charset="0"/>
-              <a:buChar char="•"/>
-            </a:pPr>
-            <a:endParaRPr lang="en-US" sz="1800" dirty="0">
-              <a:solidFill>
-                <a:schemeClr val="tx1"/>
-              </a:solidFill>
-              <a:latin typeface="+mj-lt"/>
-            </a:endParaRPr>
-          </a:p>
-          <a:p>
-            <a:pPr algn="l">
-              <a:buFont typeface="Arial" pitchFamily="34" charset="0"/>
-              <a:buChar char="•"/>
-            </a:pPr>
-            <a:r>
-              <a:rPr lang="en-US" sz="1800" dirty="0">
-                <a:solidFill>
-                  <a:schemeClr val="tx1"/>
-                </a:solidFill>
-                <a:latin typeface="+mj-lt"/>
-              </a:rPr>
-              <a:t> The Canadian supervisor should show up (give input or exchange)</a:t>
-            </a:r>
-          </a:p>
-          <a:p>
-            <a:pPr algn="l">
-              <a:buFont typeface="Arial" pitchFamily="34" charset="0"/>
-              <a:buChar char="•"/>
-            </a:pPr>
-            <a:endParaRPr lang="en-US" sz="1800" dirty="0">
-              <a:solidFill>
-                <a:schemeClr val="tx1"/>
-              </a:solidFill>
-              <a:latin typeface="+mj-lt"/>
-            </a:endParaRPr>
-          </a:p>
-          <a:p>
-            <a:pPr algn="l">
-              <a:buFont typeface="Arial" pitchFamily="34" charset="0"/>
-              <a:buChar char="•"/>
-            </a:pPr>
-            <a:r>
-              <a:rPr lang="en-US" sz="1800" dirty="0">
-                <a:solidFill>
-                  <a:schemeClr val="tx1"/>
-                </a:solidFill>
-                <a:latin typeface="+mj-lt"/>
-              </a:rPr>
-              <a:t> Size: When the graphic is created in the size of a "normal" PowerPoint slide (such as the example graphic), it fits into the space provided in the poster (see example poster)</a:t>
-            </a:r>
-          </a:p>
-          <a:p>
-            <a:pPr algn="l">
-              <a:buFont typeface="Arial" pitchFamily="34" charset="0"/>
-              <a:buChar char="•"/>
-            </a:pPr>
-            <a:endParaRPr lang="en-US" sz="1800" dirty="0">
-              <a:solidFill>
-                <a:schemeClr val="tx1"/>
-              </a:solidFill>
-              <a:latin typeface="+mj-lt"/>
-            </a:endParaRPr>
-          </a:p>
-          <a:p>
-            <a:pPr algn="l">
-              <a:buFont typeface="Arial" pitchFamily="34" charset="0"/>
-              <a:buChar char="•"/>
-            </a:pPr>
-            <a:r>
-              <a:rPr lang="en-US" sz="1800" dirty="0">
-                <a:solidFill>
-                  <a:schemeClr val="tx1"/>
-                </a:solidFill>
-                <a:latin typeface="+mj-lt"/>
-              </a:rPr>
-              <a:t> further tips:</a:t>
-            </a:r>
-          </a:p>
-          <a:p>
-            <a:pPr lvl="1" algn="l">
-              <a:buFont typeface="Arial" pitchFamily="34" charset="0"/>
-              <a:buChar char="•"/>
-            </a:pPr>
-            <a:r>
-              <a:rPr lang="en-US" sz="1800" dirty="0">
-                <a:solidFill>
-                  <a:schemeClr val="tx1"/>
-                </a:solidFill>
-                <a:latin typeface="+mj-lt"/>
-              </a:rPr>
-              <a:t> use the function “</a:t>
-            </a:r>
-            <a:r>
-              <a:rPr lang="en-US" sz="1800" dirty="0" err="1">
-                <a:solidFill>
-                  <a:schemeClr val="tx1"/>
-                </a:solidFill>
-                <a:latin typeface="+mj-lt"/>
-              </a:rPr>
-              <a:t>Objekte</a:t>
-            </a:r>
-            <a:r>
-              <a:rPr lang="en-US" sz="1800" dirty="0">
-                <a:solidFill>
-                  <a:schemeClr val="tx1"/>
-                </a:solidFill>
-                <a:latin typeface="+mj-lt"/>
-              </a:rPr>
-              <a:t> an </a:t>
-            </a:r>
-            <a:r>
-              <a:rPr lang="en-US" sz="1800" dirty="0" err="1">
-                <a:solidFill>
-                  <a:schemeClr val="tx1"/>
-                </a:solidFill>
-                <a:latin typeface="+mj-lt"/>
-              </a:rPr>
-              <a:t>anderen</a:t>
-            </a:r>
-            <a:r>
-              <a:rPr lang="en-US" sz="1800" dirty="0">
-                <a:solidFill>
-                  <a:schemeClr val="tx1"/>
-                </a:solidFill>
-                <a:latin typeface="+mj-lt"/>
-              </a:rPr>
-              <a:t> </a:t>
-            </a:r>
-            <a:r>
-              <a:rPr lang="en-US" sz="1800" dirty="0" err="1">
-                <a:solidFill>
-                  <a:schemeClr val="tx1"/>
-                </a:solidFill>
-                <a:latin typeface="+mj-lt"/>
-              </a:rPr>
-              <a:t>Objekten</a:t>
-            </a:r>
-            <a:r>
-              <a:rPr lang="en-US" sz="1800" dirty="0">
-                <a:solidFill>
-                  <a:schemeClr val="tx1"/>
-                </a:solidFill>
-                <a:latin typeface="+mj-lt"/>
-              </a:rPr>
-              <a:t> </a:t>
-            </a:r>
-            <a:r>
-              <a:rPr lang="en-US" sz="1800" dirty="0" err="1">
-                <a:solidFill>
-                  <a:schemeClr val="tx1"/>
-                </a:solidFill>
-                <a:latin typeface="+mj-lt"/>
-              </a:rPr>
-              <a:t>ausrichten</a:t>
-            </a:r>
-            <a:r>
-              <a:rPr lang="en-US" sz="1800" dirty="0">
-                <a:solidFill>
-                  <a:schemeClr val="tx1"/>
-                </a:solidFill>
-                <a:latin typeface="+mj-lt"/>
-              </a:rPr>
-              <a:t>” for the exact placement of the arrows</a:t>
-            </a:r>
-          </a:p>
-          <a:p>
-            <a:pPr lvl="1" algn="l">
-              <a:buFont typeface="Arial" pitchFamily="34" charset="0"/>
-              <a:buChar char="•"/>
-            </a:pPr>
-            <a:r>
-              <a:rPr lang="en-US" sz="1800" dirty="0">
-                <a:solidFill>
-                  <a:schemeClr val="tx1"/>
-                </a:solidFill>
-                <a:latin typeface="+mj-lt"/>
-              </a:rPr>
-              <a:t> how to insert the </a:t>
-            </a:r>
-            <a:r>
-              <a:rPr lang="en-US" sz="1800" dirty="0" err="1">
-                <a:solidFill>
-                  <a:schemeClr val="tx1"/>
-                </a:solidFill>
-                <a:latin typeface="+mj-lt"/>
-              </a:rPr>
-              <a:t>graphik</a:t>
-            </a:r>
-            <a:r>
-              <a:rPr lang="en-US" sz="1800" dirty="0">
-                <a:solidFill>
-                  <a:schemeClr val="tx1"/>
-                </a:solidFill>
-                <a:latin typeface="+mj-lt"/>
-              </a:rPr>
-              <a:t>: copy, paste, group, place</a:t>
-            </a:r>
-          </a:p>
-          <a:p>
-            <a:pPr lvl="1" algn="l">
-              <a:buFont typeface="Wingdings" pitchFamily="2" charset="2"/>
-              <a:buChar char="§"/>
-            </a:pPr>
-            <a:endParaRPr lang="en-US" sz="1400" dirty="0">
-              <a:solidFill>
-                <a:schemeClr val="tx1"/>
-              </a:solidFill>
-              <a:latin typeface="+mj-lt"/>
-            </a:endParaRPr>
-          </a:p>
-          <a:p>
-            <a:pPr algn="l"/>
-            <a:endParaRPr lang="en-US" sz="2400" dirty="0">
-              <a:solidFill>
-                <a:schemeClr val="tx1"/>
-              </a:solidFill>
-            </a:endParaRPr>
-          </a:p>
-          <a:p>
-            <a:pPr algn="l">
-              <a:buFont typeface="Arial" pitchFamily="34" charset="0"/>
-              <a:buChar char="•"/>
-            </a:pPr>
-            <a:endParaRPr lang="en-US" sz="2400" dirty="0">
-              <a:solidFill>
-                <a:schemeClr val="tx1"/>
-              </a:solidFill>
-            </a:endParaRPr>
-          </a:p>
-        </p:txBody>
-      </p:sp>
-    </p:spTree>
-  </p:cSld>
-  <p:clrMapOvr>
-    <a:masterClrMapping/>
-  </p:clrMapOvr>
-</p:sld>
-</file>
-
 <file path=ppt/slides/slide4.xml><?xml version="1.0" encoding="utf-8"?>
 <p:sld xmlns:a="http://schemas.openxmlformats.org/drawingml/2006/main" xmlns:r="http://schemas.openxmlformats.org/officeDocument/2006/relationships" xmlns:p="http://schemas.openxmlformats.org/presentationml/2006/main">
   <p:cSld>
@@ -5759,1112 +5442,355 @@
       </p:grpSpPr>
       <p:sp>
         <p:nvSpPr>
-          <p:cNvPr id="3" name="Textfeld 2"/>
-          <p:cNvSpPr txBox="1"/>
-          <p:nvPr/>
-        </p:nvSpPr>
-        <p:spPr>
-          <a:xfrm>
-            <a:off x="4378353" y="1139262"/>
-            <a:ext cx="1512000" cy="756000"/>
-          </a:xfrm>
-          <a:prstGeom prst="rect">
-            <a:avLst/>
-          </a:prstGeom>
-          <a:solidFill>
-            <a:srgbClr val="E6AF00"/>
-          </a:solidFill>
-        </p:spPr>
-        <p:txBody>
-          <a:bodyPr wrap="none" bIns="72000" rtlCol="0" anchor="ctr" anchorCtr="1">
-            <a:noAutofit/>
-          </a:bodyPr>
-          <a:lstStyle/>
-          <a:p>
-            <a:pPr algn="ctr"/>
-            <a:r>
-              <a:rPr lang="de-DE" b="1" dirty="0">
-                <a:solidFill>
-                  <a:schemeClr val="bg1"/>
-                </a:solidFill>
-              </a:rPr>
-              <a:t>C1</a:t>
-            </a:r>
-          </a:p>
-          <a:p>
-            <a:pPr algn="ctr"/>
-            <a:r>
-              <a:rPr lang="de-DE" sz="1400" dirty="0" err="1">
-                <a:solidFill>
-                  <a:schemeClr val="bg1"/>
-                </a:solidFill>
-              </a:rPr>
-              <a:t>Mechanics</a:t>
-            </a:r>
-            <a:endParaRPr lang="de-DE" sz="1400" dirty="0">
-              <a:solidFill>
-                <a:schemeClr val="bg1"/>
-              </a:solidFill>
-            </a:endParaRPr>
-          </a:p>
-          <a:p>
-            <a:pPr algn="ctr"/>
-            <a:r>
-              <a:rPr lang="de-DE" sz="1400" dirty="0" err="1">
-                <a:solidFill>
-                  <a:schemeClr val="bg1"/>
-                </a:solidFill>
-              </a:rPr>
-              <a:t>of</a:t>
-            </a:r>
-            <a:r>
-              <a:rPr lang="de-DE" sz="1400" dirty="0">
-                <a:solidFill>
-                  <a:schemeClr val="bg1"/>
-                </a:solidFill>
-              </a:rPr>
-              <a:t> </a:t>
-            </a:r>
-            <a:r>
-              <a:rPr lang="de-DE" sz="1400" dirty="0" err="1">
-                <a:solidFill>
-                  <a:schemeClr val="bg1"/>
-                </a:solidFill>
-              </a:rPr>
-              <a:t>interfaces</a:t>
-            </a:r>
-            <a:endParaRPr lang="de-DE" sz="1400" dirty="0">
-              <a:solidFill>
-                <a:schemeClr val="bg1"/>
-              </a:solidFill>
-            </a:endParaRPr>
-          </a:p>
-        </p:txBody>
-      </p:sp>
-      <p:sp>
-        <p:nvSpPr>
-          <p:cNvPr id="4" name="Textfeld 3"/>
-          <p:cNvSpPr txBox="1"/>
-          <p:nvPr/>
-        </p:nvSpPr>
-        <p:spPr>
-          <a:xfrm>
-            <a:off x="262800" y="2233566"/>
-            <a:ext cx="1512000" cy="756000"/>
-          </a:xfrm>
-          <a:prstGeom prst="rect">
-            <a:avLst/>
-          </a:prstGeom>
-          <a:solidFill>
-            <a:srgbClr val="0078E6"/>
-          </a:solidFill>
-        </p:spPr>
-        <p:txBody>
-          <a:bodyPr wrap="none" bIns="72000" rtlCol="0" anchor="ctr" anchorCtr="1">
-            <a:noAutofit/>
-          </a:bodyPr>
-          <a:lstStyle/>
-          <a:p>
-            <a:pPr algn="ctr"/>
-            <a:r>
-              <a:rPr lang="de-DE" b="1" err="1">
-                <a:solidFill>
-                  <a:schemeClr val="bg1"/>
-                </a:solidFill>
-              </a:rPr>
-              <a:t>S2</a:t>
-            </a:r>
-            <a:endParaRPr lang="de-DE" b="1">
-              <a:solidFill>
-                <a:schemeClr val="bg1"/>
-              </a:solidFill>
-            </a:endParaRPr>
-          </a:p>
-          <a:p>
-            <a:pPr algn="ctr"/>
-            <a:r>
-              <a:rPr lang="de-DE" sz="1400" err="1">
-                <a:solidFill>
-                  <a:schemeClr val="bg1"/>
-                </a:solidFill>
-              </a:rPr>
-              <a:t>Mean-field</a:t>
-            </a:r>
-            <a:br>
-              <a:rPr lang="de-DE" sz="1400">
-                <a:solidFill>
-                  <a:schemeClr val="bg1"/>
-                </a:solidFill>
-              </a:rPr>
-            </a:br>
-            <a:r>
-              <a:rPr lang="de-DE" sz="1400" err="1">
-                <a:solidFill>
-                  <a:schemeClr val="bg1"/>
-                </a:solidFill>
-              </a:rPr>
-              <a:t>modeling</a:t>
-            </a:r>
-            <a:endParaRPr lang="de-DE" sz="1400">
-              <a:solidFill>
-                <a:schemeClr val="bg1"/>
-              </a:solidFill>
-            </a:endParaRPr>
-          </a:p>
-        </p:txBody>
-      </p:sp>
-      <p:sp>
-        <p:nvSpPr>
-          <p:cNvPr id="5" name="Textfeld 4"/>
-          <p:cNvSpPr txBox="1"/>
-          <p:nvPr/>
-        </p:nvSpPr>
-        <p:spPr>
-          <a:xfrm>
-            <a:off x="2364698" y="1139262"/>
-            <a:ext cx="1512000" cy="756000"/>
-          </a:xfrm>
-          <a:prstGeom prst="rect">
-            <a:avLst/>
-          </a:prstGeom>
-          <a:solidFill>
-            <a:srgbClr val="DC4614"/>
-          </a:solidFill>
-        </p:spPr>
-        <p:txBody>
-          <a:bodyPr wrap="none" bIns="72000" rtlCol="0" anchor="ctr" anchorCtr="1">
-            <a:noAutofit/>
-          </a:bodyPr>
-          <a:lstStyle/>
-          <a:p>
-            <a:pPr algn="ctr"/>
-            <a:r>
-              <a:rPr lang="de-DE" sz="1600" b="1" dirty="0" err="1">
-                <a:solidFill>
-                  <a:schemeClr val="bg1"/>
-                </a:solidFill>
-              </a:rPr>
-              <a:t>D1</a:t>
-            </a:r>
-            <a:endParaRPr lang="de-DE" sz="1600" b="1" dirty="0">
-              <a:solidFill>
-                <a:schemeClr val="bg1"/>
-              </a:solidFill>
-            </a:endParaRPr>
-          </a:p>
-          <a:p>
-            <a:pPr algn="ctr"/>
-            <a:r>
-              <a:rPr lang="en-US" sz="1400" dirty="0">
-                <a:solidFill>
-                  <a:schemeClr val="bg1"/>
-                </a:solidFill>
-              </a:rPr>
-              <a:t>Process simulation</a:t>
-            </a:r>
-            <a:br>
-              <a:rPr lang="en-US" sz="1400" dirty="0">
-                <a:solidFill>
-                  <a:schemeClr val="bg1"/>
-                </a:solidFill>
-              </a:rPr>
-            </a:br>
-            <a:r>
-              <a:rPr lang="en-US" sz="1400" dirty="0">
-                <a:solidFill>
-                  <a:schemeClr val="bg1"/>
-                </a:solidFill>
-              </a:rPr>
-              <a:t>and optimization</a:t>
-            </a:r>
-          </a:p>
-        </p:txBody>
-      </p:sp>
-      <p:sp>
-        <p:nvSpPr>
-          <p:cNvPr id="11" name="Textfeld 10"/>
-          <p:cNvSpPr txBox="1"/>
-          <p:nvPr/>
-        </p:nvSpPr>
-        <p:spPr>
-          <a:xfrm>
-            <a:off x="4378353" y="2233566"/>
-            <a:ext cx="1512000" cy="756000"/>
-          </a:xfrm>
-          <a:prstGeom prst="rect">
-            <a:avLst/>
-          </a:prstGeom>
-          <a:solidFill>
-            <a:srgbClr val="E6AF00"/>
-          </a:solidFill>
-        </p:spPr>
-        <p:txBody>
-          <a:bodyPr wrap="none" bIns="72000" rtlCol="0" anchor="ctr" anchorCtr="1">
-            <a:noAutofit/>
-          </a:bodyPr>
-          <a:lstStyle/>
-          <a:p>
-            <a:pPr algn="ctr"/>
-            <a:r>
-              <a:rPr lang="de-DE" b="1" err="1">
-                <a:solidFill>
-                  <a:schemeClr val="bg1"/>
-                </a:solidFill>
-              </a:rPr>
-              <a:t>C2</a:t>
-            </a:r>
-            <a:endParaRPr lang="de-DE" b="1">
-              <a:solidFill>
-                <a:schemeClr val="bg1"/>
-              </a:solidFill>
-            </a:endParaRPr>
-          </a:p>
-          <a:p>
-            <a:pPr algn="ctr"/>
-            <a:r>
-              <a:rPr lang="de-DE" sz="1400" err="1">
-                <a:solidFill>
-                  <a:schemeClr val="bg1"/>
-                </a:solidFill>
-              </a:rPr>
-              <a:t>Micro</a:t>
-            </a:r>
-            <a:r>
-              <a:rPr lang="de-DE" sz="1400">
-                <a:solidFill>
-                  <a:schemeClr val="bg1"/>
-                </a:solidFill>
-              </a:rPr>
-              <a:t>-</a:t>
-            </a:r>
-          </a:p>
-          <a:p>
-            <a:pPr algn="ctr"/>
-            <a:r>
-              <a:rPr lang="de-DE" sz="1400" err="1">
-                <a:solidFill>
-                  <a:schemeClr val="bg1"/>
-                </a:solidFill>
-              </a:rPr>
-              <a:t>characterization</a:t>
-            </a:r>
-            <a:endParaRPr lang="de-DE" sz="1400">
-              <a:solidFill>
-                <a:schemeClr val="bg1"/>
-              </a:solidFill>
-            </a:endParaRPr>
-          </a:p>
-        </p:txBody>
-      </p:sp>
-      <p:sp>
-        <p:nvSpPr>
-          <p:cNvPr id="12" name="Textfeld 11"/>
-          <p:cNvSpPr txBox="1"/>
-          <p:nvPr/>
-        </p:nvSpPr>
-        <p:spPr>
-          <a:xfrm>
-            <a:off x="4378353" y="3285966"/>
-            <a:ext cx="1512000" cy="756000"/>
-          </a:xfrm>
-          <a:prstGeom prst="rect">
-            <a:avLst/>
-          </a:prstGeom>
-          <a:solidFill>
-            <a:srgbClr val="E6AF00"/>
-          </a:solidFill>
-        </p:spPr>
-        <p:txBody>
-          <a:bodyPr wrap="none" bIns="72000" rtlCol="0" anchor="ctr" anchorCtr="1">
-            <a:noAutofit/>
-          </a:bodyPr>
-          <a:lstStyle/>
-          <a:p>
-            <a:pPr algn="ctr"/>
-            <a:r>
-              <a:rPr lang="de-DE" b="1" err="1">
-                <a:solidFill>
-                  <a:schemeClr val="bg1"/>
-                </a:solidFill>
-              </a:rPr>
-              <a:t>C3</a:t>
-            </a:r>
-            <a:endParaRPr lang="de-DE" b="1">
-              <a:solidFill>
-                <a:schemeClr val="bg1"/>
-              </a:solidFill>
-            </a:endParaRPr>
-          </a:p>
-          <a:p>
-            <a:pPr algn="ctr"/>
-            <a:r>
-              <a:rPr lang="de-DE" sz="1400" err="1">
-                <a:solidFill>
-                  <a:schemeClr val="bg1"/>
-                </a:solidFill>
-              </a:rPr>
-              <a:t>Macro</a:t>
-            </a:r>
-            <a:r>
-              <a:rPr lang="de-DE" sz="1400">
-                <a:solidFill>
-                  <a:schemeClr val="bg1"/>
-                </a:solidFill>
-              </a:rPr>
-              <a:t>-</a:t>
-            </a:r>
-          </a:p>
-          <a:p>
-            <a:pPr algn="ctr"/>
-            <a:r>
-              <a:rPr lang="de-DE" sz="1400" err="1">
-                <a:solidFill>
-                  <a:schemeClr val="bg1"/>
-                </a:solidFill>
-              </a:rPr>
-              <a:t>characterization</a:t>
-            </a:r>
-            <a:endParaRPr lang="de-DE" sz="1400">
-              <a:solidFill>
-                <a:schemeClr val="bg1"/>
-              </a:solidFill>
-            </a:endParaRPr>
-          </a:p>
-        </p:txBody>
-      </p:sp>
-      <p:sp>
-        <p:nvSpPr>
-          <p:cNvPr id="13" name="Textfeld 12"/>
-          <p:cNvSpPr txBox="1"/>
-          <p:nvPr/>
-        </p:nvSpPr>
-        <p:spPr>
-          <a:xfrm>
-            <a:off x="262800" y="3250611"/>
-            <a:ext cx="1512000" cy="756000"/>
-          </a:xfrm>
-          <a:prstGeom prst="rect">
-            <a:avLst/>
-          </a:prstGeom>
-          <a:solidFill>
-            <a:srgbClr val="0078E6"/>
-          </a:solidFill>
-        </p:spPr>
-        <p:txBody>
-          <a:bodyPr wrap="none" bIns="72000" rtlCol="0" anchor="ctr" anchorCtr="1">
-            <a:noAutofit/>
-          </a:bodyPr>
-          <a:lstStyle/>
-          <a:p>
-            <a:pPr algn="ctr"/>
-            <a:r>
-              <a:rPr lang="de-DE" b="1" dirty="0" err="1">
-                <a:solidFill>
-                  <a:schemeClr val="bg1"/>
-                </a:solidFill>
-              </a:rPr>
-              <a:t>S3</a:t>
-            </a:r>
-            <a:endParaRPr lang="de-DE" b="1" dirty="0">
-              <a:solidFill>
-                <a:schemeClr val="bg1"/>
-              </a:solidFill>
-            </a:endParaRPr>
-          </a:p>
-          <a:p>
-            <a:pPr algn="ctr"/>
-            <a:r>
-              <a:rPr lang="de-DE" sz="1400" dirty="0" err="1">
-                <a:solidFill>
-                  <a:schemeClr val="bg1"/>
-                </a:solidFill>
-              </a:rPr>
-              <a:t>Micro-mechanical</a:t>
-            </a:r>
-            <a:br>
-              <a:rPr lang="de-DE" sz="1400" dirty="0">
-                <a:solidFill>
-                  <a:schemeClr val="bg1"/>
-                </a:solidFill>
-              </a:rPr>
-            </a:br>
-            <a:r>
-              <a:rPr lang="de-DE" sz="1400" dirty="0" err="1">
-                <a:solidFill>
-                  <a:schemeClr val="bg1"/>
-                </a:solidFill>
-              </a:rPr>
-              <a:t>modeling</a:t>
-            </a:r>
-            <a:endParaRPr lang="de-DE" sz="1400" dirty="0">
-              <a:solidFill>
-                <a:schemeClr val="bg1"/>
-              </a:solidFill>
-            </a:endParaRPr>
-          </a:p>
-        </p:txBody>
-      </p:sp>
-      <p:sp>
-        <p:nvSpPr>
-          <p:cNvPr id="15" name="Textfeld 14"/>
-          <p:cNvSpPr txBox="1"/>
-          <p:nvPr/>
-        </p:nvSpPr>
-        <p:spPr>
-          <a:xfrm>
-            <a:off x="262800" y="1139262"/>
-            <a:ext cx="1512000" cy="756000"/>
-          </a:xfrm>
-          <a:prstGeom prst="rect">
-            <a:avLst/>
-          </a:prstGeom>
-          <a:solidFill>
-            <a:srgbClr val="0078E6"/>
-          </a:solidFill>
-        </p:spPr>
-        <p:txBody>
-          <a:bodyPr wrap="none" bIns="72000" rtlCol="0" anchor="ctr" anchorCtr="1">
-            <a:noAutofit/>
-          </a:bodyPr>
-          <a:lstStyle/>
-          <a:p>
-            <a:pPr algn="ctr"/>
-            <a:r>
-              <a:rPr lang="de-DE" b="1" dirty="0" err="1">
-                <a:solidFill>
-                  <a:schemeClr val="bg1"/>
-                </a:solidFill>
-              </a:rPr>
-              <a:t>S1</a:t>
-            </a:r>
-            <a:endParaRPr lang="de-DE" b="1" dirty="0">
-              <a:solidFill>
-                <a:schemeClr val="bg1"/>
-              </a:solidFill>
-            </a:endParaRPr>
-          </a:p>
-          <a:p>
-            <a:pPr algn="ctr"/>
-            <a:r>
-              <a:rPr lang="de-DE" sz="1400" dirty="0" err="1">
-                <a:solidFill>
-                  <a:schemeClr val="bg1"/>
-                </a:solidFill>
-              </a:rPr>
-              <a:t>Damage</a:t>
-            </a:r>
-            <a:r>
-              <a:rPr lang="de-DE" sz="1400" dirty="0">
-                <a:solidFill>
-                  <a:schemeClr val="bg1"/>
-                </a:solidFill>
-              </a:rPr>
-              <a:t> </a:t>
-            </a:r>
-            <a:r>
-              <a:rPr lang="de-DE" sz="1400" dirty="0" err="1">
-                <a:solidFill>
-                  <a:schemeClr val="bg1"/>
-                </a:solidFill>
-              </a:rPr>
-              <a:t>and</a:t>
-            </a:r>
-            <a:endParaRPr lang="de-DE" sz="1400" dirty="0">
-              <a:solidFill>
-                <a:schemeClr val="bg1"/>
-              </a:solidFill>
-            </a:endParaRPr>
-          </a:p>
-          <a:p>
-            <a:pPr algn="ctr"/>
-            <a:r>
-              <a:rPr lang="de-DE" sz="1400" dirty="0" err="1">
-                <a:solidFill>
-                  <a:schemeClr val="bg1"/>
-                </a:solidFill>
-              </a:rPr>
-              <a:t>fracture</a:t>
-            </a:r>
-            <a:r>
-              <a:rPr lang="de-DE" sz="1400" dirty="0">
-                <a:solidFill>
-                  <a:schemeClr val="bg1"/>
-                </a:solidFill>
-              </a:rPr>
-              <a:t> </a:t>
-            </a:r>
-            <a:r>
-              <a:rPr lang="de-DE" sz="1400" dirty="0" err="1">
-                <a:solidFill>
-                  <a:schemeClr val="bg1"/>
-                </a:solidFill>
-              </a:rPr>
-              <a:t>mechanics</a:t>
-            </a:r>
-            <a:endParaRPr lang="de-DE" sz="1400" dirty="0">
-              <a:solidFill>
-                <a:schemeClr val="bg1"/>
-              </a:solidFill>
-            </a:endParaRPr>
-          </a:p>
-        </p:txBody>
-      </p:sp>
-      <p:sp>
-        <p:nvSpPr>
-          <p:cNvPr id="26" name="Textfeld 25"/>
-          <p:cNvSpPr txBox="1"/>
-          <p:nvPr/>
-        </p:nvSpPr>
-        <p:spPr>
-          <a:xfrm>
-            <a:off x="6506634" y="4340532"/>
-            <a:ext cx="1512000" cy="756000"/>
-          </a:xfrm>
-          <a:prstGeom prst="rect">
-            <a:avLst/>
-          </a:prstGeom>
-          <a:solidFill>
-            <a:srgbClr val="00AFA0"/>
-          </a:solidFill>
-        </p:spPr>
-        <p:txBody>
-          <a:bodyPr wrap="none" bIns="72000" rtlCol="0" anchor="ctr" anchorCtr="1">
-            <a:noAutofit/>
-          </a:bodyPr>
-          <a:lstStyle/>
-          <a:p>
-            <a:pPr algn="ctr"/>
-            <a:r>
-              <a:rPr lang="de-DE" sz="1600" b="1" dirty="0" err="1">
-                <a:solidFill>
-                  <a:schemeClr val="bg1"/>
-                </a:solidFill>
-              </a:rPr>
-              <a:t>T4</a:t>
-            </a:r>
-            <a:endParaRPr lang="de-DE" sz="1600" b="1" dirty="0">
-              <a:solidFill>
-                <a:schemeClr val="bg1"/>
-              </a:solidFill>
-            </a:endParaRPr>
-          </a:p>
-          <a:p>
-            <a:pPr algn="ctr"/>
-            <a:r>
-              <a:rPr lang="de-DE" sz="1400" dirty="0">
-                <a:solidFill>
-                  <a:schemeClr val="bg1"/>
-                </a:solidFill>
-              </a:rPr>
-              <a:t>Post-</a:t>
-            </a:r>
-            <a:br>
-              <a:rPr lang="de-DE" sz="1400" dirty="0">
-                <a:solidFill>
-                  <a:schemeClr val="bg1"/>
-                </a:solidFill>
-              </a:rPr>
-            </a:br>
-            <a:r>
-              <a:rPr lang="de-DE" sz="1400" dirty="0" err="1">
-                <a:solidFill>
-                  <a:schemeClr val="bg1"/>
-                </a:solidFill>
-              </a:rPr>
-              <a:t>processing</a:t>
-            </a:r>
-            <a:endParaRPr lang="de-DE" sz="1400" dirty="0">
-              <a:solidFill>
-                <a:schemeClr val="bg1"/>
-              </a:solidFill>
-            </a:endParaRPr>
-          </a:p>
-        </p:txBody>
-      </p:sp>
-      <p:sp>
-        <p:nvSpPr>
-          <p:cNvPr id="39" name="Textfeld 38"/>
-          <p:cNvSpPr txBox="1"/>
-          <p:nvPr/>
-        </p:nvSpPr>
-        <p:spPr>
-          <a:xfrm>
-            <a:off x="2364698" y="2233566"/>
-            <a:ext cx="1512000" cy="756000"/>
-          </a:xfrm>
-          <a:prstGeom prst="rect">
-            <a:avLst/>
-          </a:prstGeom>
-          <a:solidFill>
-            <a:srgbClr val="DC4614"/>
-          </a:solidFill>
-        </p:spPr>
-        <p:txBody>
-          <a:bodyPr wrap="none" bIns="72000" rtlCol="0" anchor="ctr" anchorCtr="1">
-            <a:noAutofit/>
-          </a:bodyPr>
-          <a:lstStyle/>
-          <a:p>
-            <a:pPr algn="ctr"/>
-            <a:r>
-              <a:rPr lang="de-DE" sz="1600" b="1" dirty="0">
-                <a:solidFill>
-                  <a:schemeClr val="bg1"/>
-                </a:solidFill>
-              </a:rPr>
-              <a:t>D2</a:t>
-            </a:r>
-          </a:p>
-          <a:p>
-            <a:pPr algn="ctr"/>
-            <a:r>
-              <a:rPr lang="en-US" sz="1400" dirty="0">
-                <a:solidFill>
-                  <a:schemeClr val="bg1"/>
-                </a:solidFill>
-              </a:rPr>
-              <a:t>Topology and </a:t>
-            </a:r>
-            <a:br>
-              <a:rPr lang="en-US" sz="1400" dirty="0">
-                <a:solidFill>
-                  <a:schemeClr val="bg1"/>
-                </a:solidFill>
-              </a:rPr>
-            </a:br>
-            <a:r>
-              <a:rPr lang="en-US" sz="1400" dirty="0">
-                <a:solidFill>
-                  <a:schemeClr val="bg1"/>
-                </a:solidFill>
-              </a:rPr>
-              <a:t>shape optimization</a:t>
-            </a:r>
-            <a:endParaRPr lang="de-DE" sz="1400" dirty="0">
-              <a:solidFill>
-                <a:schemeClr val="bg1"/>
-              </a:solidFill>
-            </a:endParaRPr>
-          </a:p>
-        </p:txBody>
-      </p:sp>
-      <p:sp>
-        <p:nvSpPr>
-          <p:cNvPr id="44" name="Textfeld 43"/>
-          <p:cNvSpPr txBox="1"/>
-          <p:nvPr/>
-        </p:nvSpPr>
-        <p:spPr>
-          <a:xfrm>
-            <a:off x="2364698" y="3285966"/>
-            <a:ext cx="1512000" cy="756000"/>
-          </a:xfrm>
-          <a:prstGeom prst="rect">
-            <a:avLst/>
-          </a:prstGeom>
-          <a:solidFill>
-            <a:srgbClr val="DC4614"/>
-          </a:solidFill>
-        </p:spPr>
-        <p:txBody>
-          <a:bodyPr wrap="none" bIns="72000" rtlCol="0" anchor="ctr" anchorCtr="1">
-            <a:noAutofit/>
-          </a:bodyPr>
-          <a:lstStyle/>
-          <a:p>
-            <a:pPr algn="ctr"/>
-            <a:r>
-              <a:rPr lang="de-DE" sz="1600" b="1" dirty="0" err="1">
-                <a:solidFill>
-                  <a:schemeClr val="bg1"/>
-                </a:solidFill>
-              </a:rPr>
-              <a:t>D3</a:t>
-            </a:r>
-            <a:endParaRPr lang="de-DE" sz="1600" b="1" dirty="0">
-              <a:solidFill>
-                <a:schemeClr val="bg1"/>
-              </a:solidFill>
-            </a:endParaRPr>
-          </a:p>
-          <a:p>
-            <a:pPr algn="ctr"/>
-            <a:r>
-              <a:rPr lang="en-US" sz="1400" dirty="0">
-                <a:solidFill>
-                  <a:schemeClr val="bg1"/>
-                </a:solidFill>
-              </a:rPr>
-              <a:t>Design guidelines</a:t>
-            </a:r>
-            <a:br>
-              <a:rPr lang="en-US" sz="1400" dirty="0">
-                <a:solidFill>
-                  <a:schemeClr val="bg1"/>
-                </a:solidFill>
-              </a:rPr>
-            </a:br>
-            <a:r>
-              <a:rPr lang="en-US" sz="1400" dirty="0">
-                <a:solidFill>
-                  <a:schemeClr val="bg1"/>
-                </a:solidFill>
-              </a:rPr>
-              <a:t>Engineering process</a:t>
-            </a:r>
-            <a:endParaRPr lang="de-DE" sz="1400" dirty="0">
-              <a:solidFill>
-                <a:schemeClr val="bg1"/>
-              </a:solidFill>
-            </a:endParaRPr>
-          </a:p>
-        </p:txBody>
-      </p:sp>
-      <p:sp>
-        <p:nvSpPr>
-          <p:cNvPr id="45" name="Textfeld 44"/>
-          <p:cNvSpPr txBox="1"/>
-          <p:nvPr/>
-        </p:nvSpPr>
-        <p:spPr>
-          <a:xfrm>
-            <a:off x="6506634" y="3285966"/>
-            <a:ext cx="1512000" cy="756000"/>
-          </a:xfrm>
-          <a:prstGeom prst="rect">
-            <a:avLst/>
-          </a:prstGeom>
-          <a:solidFill>
-            <a:srgbClr val="00AFA0"/>
-          </a:solidFill>
-        </p:spPr>
-        <p:txBody>
-          <a:bodyPr wrap="none" bIns="72000" rtlCol="0" anchor="ctr" anchorCtr="1">
-            <a:noAutofit/>
-          </a:bodyPr>
-          <a:lstStyle/>
-          <a:p>
-            <a:pPr algn="ctr"/>
-            <a:r>
-              <a:rPr lang="de-DE" sz="1600" b="1" dirty="0" err="1">
-                <a:solidFill>
-                  <a:schemeClr val="bg1"/>
-                </a:solidFill>
-              </a:rPr>
-              <a:t>T3</a:t>
-            </a:r>
-            <a:endParaRPr lang="de-DE" sz="1600" b="1" dirty="0">
-              <a:solidFill>
-                <a:schemeClr val="bg1"/>
-              </a:solidFill>
-            </a:endParaRPr>
-          </a:p>
-          <a:p>
-            <a:pPr algn="ctr"/>
-            <a:r>
-              <a:rPr lang="de-DE" sz="1400" dirty="0">
-                <a:solidFill>
-                  <a:schemeClr val="bg1"/>
-                </a:solidFill>
-              </a:rPr>
-              <a:t>Quality</a:t>
-            </a:r>
-            <a:br>
-              <a:rPr lang="de-DE" sz="1400" dirty="0">
-                <a:solidFill>
-                  <a:schemeClr val="bg1"/>
-                </a:solidFill>
-              </a:rPr>
-            </a:br>
-            <a:r>
-              <a:rPr lang="de-DE" sz="1400" dirty="0" err="1">
-                <a:solidFill>
-                  <a:schemeClr val="bg1"/>
-                </a:solidFill>
-              </a:rPr>
-              <a:t>assurance</a:t>
-            </a:r>
-            <a:endParaRPr lang="de-DE" sz="1400" dirty="0">
-              <a:solidFill>
-                <a:schemeClr val="bg1"/>
-              </a:solidFill>
-            </a:endParaRPr>
-          </a:p>
-        </p:txBody>
-      </p:sp>
-      <p:sp>
-        <p:nvSpPr>
-          <p:cNvPr id="46" name="Textfeld 45"/>
-          <p:cNvSpPr txBox="1"/>
-          <p:nvPr/>
-        </p:nvSpPr>
-        <p:spPr>
-          <a:xfrm>
-            <a:off x="6506634" y="2233566"/>
-            <a:ext cx="1512000" cy="756000"/>
-          </a:xfrm>
-          <a:prstGeom prst="rect">
-            <a:avLst/>
-          </a:prstGeom>
-          <a:solidFill>
-            <a:srgbClr val="00AFA0"/>
-          </a:solidFill>
-        </p:spPr>
-        <p:txBody>
-          <a:bodyPr wrap="none" bIns="72000" rtlCol="0" anchor="ctr" anchorCtr="1">
-            <a:noAutofit/>
-          </a:bodyPr>
-          <a:lstStyle/>
-          <a:p>
-            <a:pPr algn="ctr"/>
-            <a:r>
-              <a:rPr lang="de-DE" sz="1600" b="1" dirty="0" err="1">
-                <a:solidFill>
-                  <a:schemeClr val="bg1"/>
-                </a:solidFill>
-              </a:rPr>
-              <a:t>T2</a:t>
-            </a:r>
-            <a:endParaRPr lang="de-DE" sz="1600" b="1" dirty="0">
-              <a:solidFill>
-                <a:schemeClr val="bg1"/>
-              </a:solidFill>
-            </a:endParaRPr>
-          </a:p>
-          <a:p>
-            <a:pPr algn="ctr"/>
-            <a:r>
-              <a:rPr lang="de-DE" sz="1400" dirty="0">
-                <a:solidFill>
-                  <a:schemeClr val="bg1"/>
-                </a:solidFill>
-              </a:rPr>
-              <a:t>Handling </a:t>
-            </a:r>
-            <a:r>
-              <a:rPr lang="de-DE" sz="1400" dirty="0" err="1">
-                <a:solidFill>
-                  <a:schemeClr val="bg1"/>
-                </a:solidFill>
-              </a:rPr>
-              <a:t>and</a:t>
-            </a:r>
-            <a:br>
-              <a:rPr lang="de-DE" sz="1400" dirty="0">
-                <a:solidFill>
-                  <a:schemeClr val="bg1"/>
-                </a:solidFill>
-              </a:rPr>
-            </a:br>
-            <a:r>
-              <a:rPr lang="de-DE" sz="1400" dirty="0" err="1">
-                <a:solidFill>
-                  <a:schemeClr val="bg1"/>
-                </a:solidFill>
-              </a:rPr>
-              <a:t>preforming</a:t>
-            </a:r>
-            <a:endParaRPr lang="de-DE" sz="1400" dirty="0">
-              <a:solidFill>
-                <a:schemeClr val="bg1"/>
-              </a:solidFill>
-            </a:endParaRPr>
-          </a:p>
-        </p:txBody>
-      </p:sp>
-      <p:sp>
-        <p:nvSpPr>
-          <p:cNvPr id="47" name="Textfeld 46"/>
-          <p:cNvSpPr txBox="1"/>
-          <p:nvPr/>
-        </p:nvSpPr>
-        <p:spPr>
-          <a:xfrm>
-            <a:off x="6506634" y="1139262"/>
-            <a:ext cx="1512000" cy="756000"/>
-          </a:xfrm>
-          <a:prstGeom prst="rect">
-            <a:avLst/>
-          </a:prstGeom>
-          <a:solidFill>
-            <a:srgbClr val="00AFA0"/>
-          </a:solidFill>
-        </p:spPr>
-        <p:txBody>
-          <a:bodyPr wrap="none" bIns="72000" rtlCol="0" anchor="ctr" anchorCtr="1">
-            <a:noAutofit/>
-          </a:bodyPr>
-          <a:lstStyle/>
-          <a:p>
-            <a:pPr algn="ctr"/>
-            <a:r>
-              <a:rPr lang="de-DE" sz="1600" b="1" dirty="0" err="1">
-                <a:solidFill>
-                  <a:schemeClr val="bg1"/>
-                </a:solidFill>
-              </a:rPr>
-              <a:t>T1</a:t>
-            </a:r>
-            <a:endParaRPr lang="de-DE" sz="1600" b="1" dirty="0">
-              <a:solidFill>
-                <a:schemeClr val="bg1"/>
-              </a:solidFill>
-            </a:endParaRPr>
-          </a:p>
-          <a:p>
-            <a:pPr algn="ctr"/>
-            <a:r>
-              <a:rPr lang="de-DE" sz="1400" dirty="0">
-                <a:solidFill>
-                  <a:schemeClr val="bg1"/>
-                </a:solidFill>
-              </a:rPr>
-              <a:t>Polymer</a:t>
-            </a:r>
-          </a:p>
-          <a:p>
-            <a:pPr algn="ctr"/>
-            <a:r>
-              <a:rPr lang="de-DE" sz="1400" dirty="0" err="1">
-                <a:solidFill>
-                  <a:schemeClr val="bg1"/>
-                </a:solidFill>
-              </a:rPr>
-              <a:t>processing</a:t>
-            </a:r>
-            <a:endParaRPr lang="de-DE" sz="1400" dirty="0">
-              <a:solidFill>
-                <a:schemeClr val="bg1"/>
-              </a:solidFill>
-            </a:endParaRPr>
-          </a:p>
-        </p:txBody>
-      </p:sp>
-      <p:sp>
-        <p:nvSpPr>
-          <p:cNvPr id="23" name="Textfeld 22"/>
-          <p:cNvSpPr txBox="1"/>
-          <p:nvPr/>
-        </p:nvSpPr>
-        <p:spPr>
-          <a:xfrm>
-            <a:off x="262800" y="4340532"/>
-            <a:ext cx="1512000" cy="756000"/>
-          </a:xfrm>
-          <a:prstGeom prst="rect">
-            <a:avLst/>
-          </a:prstGeom>
-          <a:solidFill>
-            <a:srgbClr val="0078E6"/>
-          </a:solidFill>
-        </p:spPr>
-        <p:txBody>
-          <a:bodyPr wrap="none" bIns="72000" rtlCol="0" anchor="ctr" anchorCtr="1">
-            <a:noAutofit/>
-          </a:bodyPr>
-          <a:lstStyle/>
-          <a:p>
-            <a:pPr algn="ctr"/>
-            <a:r>
-              <a:rPr lang="de-DE" b="1" dirty="0" err="1">
-                <a:solidFill>
-                  <a:schemeClr val="bg1"/>
-                </a:solidFill>
-              </a:rPr>
-              <a:t>S4</a:t>
-            </a:r>
-            <a:endParaRPr lang="de-DE" b="1" dirty="0">
-              <a:solidFill>
-                <a:schemeClr val="bg1"/>
-              </a:solidFill>
-            </a:endParaRPr>
-          </a:p>
-          <a:p>
-            <a:pPr algn="ctr"/>
-            <a:r>
-              <a:rPr lang="de-DE" sz="1400" dirty="0">
-                <a:solidFill>
-                  <a:schemeClr val="bg1"/>
-                </a:solidFill>
-              </a:rPr>
-              <a:t>Phase-</a:t>
-            </a:r>
-            <a:r>
-              <a:rPr lang="de-DE" sz="1400" dirty="0" err="1">
-                <a:solidFill>
-                  <a:schemeClr val="bg1"/>
-                </a:solidFill>
-              </a:rPr>
-              <a:t>field</a:t>
-            </a:r>
-            <a:br>
-              <a:rPr lang="de-DE" sz="1400" dirty="0">
-                <a:solidFill>
-                  <a:schemeClr val="bg1"/>
-                </a:solidFill>
-              </a:rPr>
-            </a:br>
-            <a:r>
-              <a:rPr lang="de-DE" sz="1400" dirty="0" err="1">
-                <a:solidFill>
-                  <a:schemeClr val="bg1"/>
-                </a:solidFill>
-              </a:rPr>
-              <a:t>modeling</a:t>
-            </a:r>
-            <a:endParaRPr lang="de-DE" sz="1400" dirty="0">
-              <a:solidFill>
-                <a:schemeClr val="bg1"/>
-              </a:solidFill>
-            </a:endParaRPr>
-          </a:p>
-        </p:txBody>
-      </p:sp>
-      <p:sp>
-        <p:nvSpPr>
-          <p:cNvPr id="29" name="Titel 1"/>
-          <p:cNvSpPr txBox="1">
-            <a:spLocks/>
+          <p:cNvPr id="2" name="Titel 1"/>
+          <p:cNvSpPr>
+            <a:spLocks noGrp="1"/>
           </p:cNvSpPr>
-          <p:nvPr/>
+          <p:nvPr>
+            <p:ph type="ctrTitle"/>
+          </p:nvPr>
         </p:nvSpPr>
         <p:spPr>
           <a:xfrm>
             <a:off x="685800" y="159488"/>
             <a:ext cx="7772400" cy="627321"/>
           </a:xfrm>
-          <a:prstGeom prst="rect">
-            <a:avLst/>
-          </a:prstGeom>
         </p:spPr>
         <p:txBody>
-          <a:bodyPr vert="horz" lIns="91440" tIns="45720" rIns="91440" bIns="45720" rtlCol="0" anchor="ctr">
+          <a:bodyPr>
             <a:normAutofit/>
           </a:bodyPr>
           <a:lstStyle/>
           <a:p>
-            <a:pPr lvl="0" algn="ctr">
-              <a:spcBef>
-                <a:spcPct val="0"/>
-              </a:spcBef>
-            </a:pPr>
-            <a:r>
-              <a:rPr lang="en-US" sz="2800" dirty="0"/>
-              <a:t>Small project blocks (outside)</a:t>
-            </a:r>
-            <a:endParaRPr kumimoji="0" lang="en-US" sz="2800" b="1" i="0" u="none" strike="noStrike" kern="1200" cap="none" spc="0" normalizeH="0" baseline="0" noProof="0" dirty="0">
-              <a:ln>
-                <a:noFill/>
-              </a:ln>
+            <a:r>
+              <a:rPr lang="en-US" sz="2800" b="1" noProof="0" dirty="0"/>
+              <a:t>Remarks</a:t>
+            </a:r>
+          </a:p>
+        </p:txBody>
+      </p:sp>
+      <p:sp>
+        <p:nvSpPr>
+          <p:cNvPr id="3" name="Untertitel 2"/>
+          <p:cNvSpPr>
+            <a:spLocks noGrp="1"/>
+          </p:cNvSpPr>
+          <p:nvPr>
+            <p:ph type="subTitle" idx="1"/>
+          </p:nvPr>
+        </p:nvSpPr>
+        <p:spPr>
+          <a:xfrm>
+            <a:off x="233915" y="786809"/>
+            <a:ext cx="8516679" cy="4851991"/>
+          </a:xfrm>
+        </p:spPr>
+        <p:txBody>
+          <a:bodyPr>
+            <a:normAutofit/>
+          </a:bodyPr>
+          <a:lstStyle/>
+          <a:p>
+            <a:pPr algn="l"/>
+            <a:r>
+              <a:rPr lang="en-US" sz="2400" dirty="0">
+                <a:solidFill>
+                  <a:schemeClr val="tx1"/>
+                </a:solidFill>
+                <a:latin typeface="+mj-lt"/>
+              </a:rPr>
+              <a:t>Assembling your own interconnection graphic from the modules: </a:t>
+            </a:r>
+          </a:p>
+          <a:p>
+            <a:pPr algn="l"/>
+            <a:endParaRPr lang="en-US" sz="2400" dirty="0">
               <a:solidFill>
                 <a:schemeClr val="tx1"/>
               </a:solidFill>
-              <a:effectLst/>
-              <a:uLnTx/>
-              <a:uFillTx/>
               <a:latin typeface="+mj-lt"/>
-              <a:ea typeface="+mj-ea"/>
-              <a:cs typeface="+mj-cs"/>
+            </a:endParaRPr>
+          </a:p>
+          <a:p>
+            <a:pPr algn="l">
+              <a:buFont typeface="Arial" pitchFamily="34" charset="0"/>
+              <a:buChar char="•"/>
+            </a:pPr>
+            <a:r>
+              <a:rPr lang="en-US" sz="1800" dirty="0">
+                <a:solidFill>
+                  <a:schemeClr val="tx1"/>
+                </a:solidFill>
+                <a:latin typeface="+mj-lt"/>
+              </a:rPr>
+              <a:t> The graphics should be </a:t>
+            </a:r>
+            <a:r>
+              <a:rPr lang="en-US" sz="1800" dirty="0" err="1">
+                <a:solidFill>
+                  <a:schemeClr val="tx1"/>
+                </a:solidFill>
+                <a:latin typeface="+mj-lt"/>
+              </a:rPr>
+              <a:t>contentually</a:t>
+            </a:r>
+            <a:r>
+              <a:rPr lang="en-US" sz="1800" dirty="0">
+                <a:solidFill>
+                  <a:schemeClr val="tx1"/>
+                </a:solidFill>
+                <a:latin typeface="+mj-lt"/>
+              </a:rPr>
+              <a:t> based on the proposal (Appendix 3 of the report,</a:t>
+            </a:r>
+            <a:br>
+              <a:rPr lang="en-US" sz="1800" dirty="0">
+                <a:solidFill>
+                  <a:schemeClr val="tx1"/>
+                </a:solidFill>
+                <a:latin typeface="+mj-lt"/>
+              </a:rPr>
+            </a:br>
+            <a:r>
+              <a:rPr lang="en-US" sz="1800" dirty="0">
+                <a:solidFill>
+                  <a:schemeClr val="tx1"/>
+                </a:solidFill>
+                <a:latin typeface="+mj-lt"/>
+              </a:rPr>
+              <a:t>Interconnection graphic from the proposal, further texts in the proposal)</a:t>
+            </a:r>
+          </a:p>
+          <a:p>
+            <a:pPr algn="l">
+              <a:buFont typeface="Arial" pitchFamily="34" charset="0"/>
+              <a:buChar char="•"/>
+            </a:pPr>
+            <a:endParaRPr lang="en-US" sz="1800" dirty="0">
+              <a:solidFill>
+                <a:schemeClr val="tx1"/>
+              </a:solidFill>
+              <a:latin typeface="+mj-lt"/>
+            </a:endParaRPr>
+          </a:p>
+          <a:p>
+            <a:pPr algn="l">
+              <a:buFont typeface="Arial" pitchFamily="34" charset="0"/>
+              <a:buChar char="•"/>
+            </a:pPr>
+            <a:r>
+              <a:rPr lang="en-US" sz="1800" dirty="0">
+                <a:solidFill>
+                  <a:schemeClr val="tx1"/>
+                </a:solidFill>
+                <a:latin typeface="+mj-lt"/>
+              </a:rPr>
+              <a:t> The Canadian supervisor should show up (give input or exchange)</a:t>
+            </a:r>
+          </a:p>
+          <a:p>
+            <a:pPr algn="l">
+              <a:buFont typeface="Arial" pitchFamily="34" charset="0"/>
+              <a:buChar char="•"/>
+            </a:pPr>
+            <a:endParaRPr lang="en-US" sz="1800" dirty="0">
+              <a:solidFill>
+                <a:schemeClr val="tx1"/>
+              </a:solidFill>
+              <a:latin typeface="+mj-lt"/>
+            </a:endParaRPr>
+          </a:p>
+          <a:p>
+            <a:pPr algn="l">
+              <a:buFont typeface="Arial" pitchFamily="34" charset="0"/>
+              <a:buChar char="•"/>
+            </a:pPr>
+            <a:r>
+              <a:rPr lang="en-US" sz="1800" dirty="0">
+                <a:solidFill>
+                  <a:schemeClr val="tx1"/>
+                </a:solidFill>
+                <a:latin typeface="+mj-lt"/>
+              </a:rPr>
+              <a:t> Size: When the graphic is created in the size of a "normal" PowerPoint slide (such as the example graphic), it fits into the space provided in the poster (see example poster)</a:t>
+            </a:r>
+          </a:p>
+          <a:p>
+            <a:pPr algn="l">
+              <a:buFont typeface="Arial" pitchFamily="34" charset="0"/>
+              <a:buChar char="•"/>
+            </a:pPr>
+            <a:endParaRPr lang="en-US" sz="1800" dirty="0">
+              <a:solidFill>
+                <a:schemeClr val="tx1"/>
+              </a:solidFill>
+              <a:latin typeface="+mj-lt"/>
+            </a:endParaRPr>
+          </a:p>
+          <a:p>
+            <a:pPr algn="l">
+              <a:buFont typeface="Arial" pitchFamily="34" charset="0"/>
+              <a:buChar char="•"/>
+            </a:pPr>
+            <a:r>
+              <a:rPr lang="en-US" sz="1800" dirty="0">
+                <a:solidFill>
+                  <a:schemeClr val="tx1"/>
+                </a:solidFill>
+                <a:latin typeface="+mj-lt"/>
+              </a:rPr>
+              <a:t> further tips:</a:t>
+            </a:r>
+          </a:p>
+          <a:p>
+            <a:pPr lvl="1" algn="l">
+              <a:buFont typeface="Arial" pitchFamily="34" charset="0"/>
+              <a:buChar char="•"/>
+            </a:pPr>
+            <a:r>
+              <a:rPr lang="en-US" sz="1800" dirty="0">
+                <a:solidFill>
+                  <a:schemeClr val="tx1"/>
+                </a:solidFill>
+                <a:latin typeface="+mj-lt"/>
+              </a:rPr>
+              <a:t> use the function “</a:t>
+            </a:r>
+            <a:r>
+              <a:rPr lang="en-US" sz="1800" dirty="0" err="1">
+                <a:solidFill>
+                  <a:schemeClr val="tx1"/>
+                </a:solidFill>
+                <a:latin typeface="+mj-lt"/>
+              </a:rPr>
+              <a:t>Objekte</a:t>
+            </a:r>
+            <a:r>
+              <a:rPr lang="en-US" sz="1800" dirty="0">
+                <a:solidFill>
+                  <a:schemeClr val="tx1"/>
+                </a:solidFill>
+                <a:latin typeface="+mj-lt"/>
+              </a:rPr>
+              <a:t> an </a:t>
+            </a:r>
+            <a:r>
+              <a:rPr lang="en-US" sz="1800" dirty="0" err="1">
+                <a:solidFill>
+                  <a:schemeClr val="tx1"/>
+                </a:solidFill>
+                <a:latin typeface="+mj-lt"/>
+              </a:rPr>
+              <a:t>anderen</a:t>
+            </a:r>
+            <a:r>
+              <a:rPr lang="en-US" sz="1800" dirty="0">
+                <a:solidFill>
+                  <a:schemeClr val="tx1"/>
+                </a:solidFill>
+                <a:latin typeface="+mj-lt"/>
+              </a:rPr>
+              <a:t> </a:t>
+            </a:r>
+            <a:r>
+              <a:rPr lang="en-US" sz="1800" dirty="0" err="1">
+                <a:solidFill>
+                  <a:schemeClr val="tx1"/>
+                </a:solidFill>
+                <a:latin typeface="+mj-lt"/>
+              </a:rPr>
+              <a:t>Objekten</a:t>
+            </a:r>
+            <a:r>
+              <a:rPr lang="en-US" sz="1800" dirty="0">
+                <a:solidFill>
+                  <a:schemeClr val="tx1"/>
+                </a:solidFill>
+                <a:latin typeface="+mj-lt"/>
+              </a:rPr>
+              <a:t> </a:t>
+            </a:r>
+            <a:r>
+              <a:rPr lang="en-US" sz="1800" dirty="0" err="1">
+                <a:solidFill>
+                  <a:schemeClr val="tx1"/>
+                </a:solidFill>
+                <a:latin typeface="+mj-lt"/>
+              </a:rPr>
+              <a:t>ausrichten</a:t>
+            </a:r>
+            <a:r>
+              <a:rPr lang="en-US" sz="1800" dirty="0">
+                <a:solidFill>
+                  <a:schemeClr val="tx1"/>
+                </a:solidFill>
+                <a:latin typeface="+mj-lt"/>
+              </a:rPr>
+              <a:t>” for the exact placement of the arrows</a:t>
+            </a:r>
+          </a:p>
+          <a:p>
+            <a:pPr lvl="1" algn="l">
+              <a:buFont typeface="Arial" pitchFamily="34" charset="0"/>
+              <a:buChar char="•"/>
+            </a:pPr>
+            <a:r>
+              <a:rPr lang="en-US" sz="1800" dirty="0">
+                <a:solidFill>
+                  <a:schemeClr val="tx1"/>
+                </a:solidFill>
+                <a:latin typeface="+mj-lt"/>
+              </a:rPr>
+              <a:t> how to insert the </a:t>
+            </a:r>
+            <a:r>
+              <a:rPr lang="en-US" sz="1800" dirty="0" err="1">
+                <a:solidFill>
+                  <a:schemeClr val="tx1"/>
+                </a:solidFill>
+                <a:latin typeface="+mj-lt"/>
+              </a:rPr>
+              <a:t>graphik</a:t>
+            </a:r>
+            <a:r>
+              <a:rPr lang="en-US" sz="1800" dirty="0">
+                <a:solidFill>
+                  <a:schemeClr val="tx1"/>
+                </a:solidFill>
+                <a:latin typeface="+mj-lt"/>
+              </a:rPr>
+              <a:t>: copy, paste, group, place</a:t>
+            </a:r>
+          </a:p>
+          <a:p>
+            <a:pPr lvl="1" algn="l">
+              <a:buFont typeface="Wingdings" pitchFamily="2" charset="2"/>
+              <a:buChar char="§"/>
+            </a:pPr>
+            <a:endParaRPr lang="en-US" sz="1400" dirty="0">
+              <a:solidFill>
+                <a:schemeClr val="tx1"/>
+              </a:solidFill>
+              <a:latin typeface="+mj-lt"/>
+            </a:endParaRPr>
+          </a:p>
+          <a:p>
+            <a:pPr algn="l"/>
+            <a:endParaRPr lang="en-US" sz="2400" dirty="0">
+              <a:solidFill>
+                <a:schemeClr val="tx1"/>
+              </a:solidFill>
+            </a:endParaRPr>
+          </a:p>
+          <a:p>
+            <a:pPr algn="l">
+              <a:buFont typeface="Arial" pitchFamily="34" charset="0"/>
+              <a:buChar char="•"/>
+            </a:pPr>
+            <a:endParaRPr lang="en-US" sz="2400" dirty="0">
+              <a:solidFill>
+                <a:schemeClr val="tx1"/>
+              </a:solidFill>
             </a:endParaRPr>
           </a:p>
         </p:txBody>
@@ -6902,8 +5828,8 @@
         </p:nvSpPr>
         <p:spPr>
           <a:xfrm>
-            <a:off x="4378353" y="1480296"/>
-            <a:ext cx="1944000" cy="972000"/>
+            <a:off x="4378353" y="1139262"/>
+            <a:ext cx="1512000" cy="756000"/>
           </a:xfrm>
           <a:prstGeom prst="rect">
             <a:avLst/>
@@ -6920,14 +5846,25 @@
           <a:p>
             <a:pPr algn="ctr"/>
             <a:r>
-              <a:rPr lang="de-DE" sz="2400" b="1" dirty="0" err="1">
+              <a:rPr lang="de-DE" b="1" dirty="0">
                 <a:solidFill>
                   <a:schemeClr val="bg1"/>
                 </a:solidFill>
               </a:rPr>
               <a:t>C1</a:t>
             </a:r>
-            <a:endParaRPr lang="de-DE" sz="2400" b="1" dirty="0">
+          </a:p>
+          <a:p>
+            <a:pPr algn="ctr"/>
+            <a:r>
+              <a:rPr lang="de-DE" sz="1400" dirty="0" err="1">
+                <a:solidFill>
+                  <a:schemeClr val="bg1"/>
+                </a:solidFill>
+              </a:rPr>
+              <a:t>Mechanics</a:t>
+            </a:r>
+            <a:endParaRPr lang="de-DE" sz="1400" dirty="0">
               <a:solidFill>
                 <a:schemeClr val="bg1"/>
               </a:solidFill>
@@ -6936,51 +5873,35 @@
           <a:p>
             <a:pPr algn="ctr"/>
             <a:r>
-              <a:rPr lang="de-DE" dirty="0" err="1">
-                <a:solidFill>
-                  <a:schemeClr val="bg1"/>
-                </a:solidFill>
-              </a:rPr>
-              <a:t>Mechanics</a:t>
-            </a:r>
-            <a:endParaRPr lang="de-DE" dirty="0">
+              <a:rPr lang="de-DE" sz="1400" dirty="0" err="1">
+                <a:solidFill>
+                  <a:schemeClr val="bg1"/>
+                </a:solidFill>
+              </a:rPr>
+              <a:t>of</a:t>
+            </a:r>
+            <a:r>
+              <a:rPr lang="de-DE" sz="1400" dirty="0">
+                <a:solidFill>
+                  <a:schemeClr val="bg1"/>
+                </a:solidFill>
+              </a:rPr>
+              <a:t> </a:t>
+            </a:r>
+            <a:r>
+              <a:rPr lang="de-DE" sz="1400" dirty="0" err="1">
+                <a:solidFill>
+                  <a:schemeClr val="bg1"/>
+                </a:solidFill>
+              </a:rPr>
+              <a:t>interfaces</a:t>
+            </a:r>
+            <a:endParaRPr lang="de-DE" sz="1400" dirty="0">
               <a:solidFill>
                 <a:schemeClr val="bg1"/>
               </a:solidFill>
             </a:endParaRPr>
           </a:p>
-          <a:p>
-            <a:pPr algn="ctr"/>
-            <a:r>
-              <a:rPr lang="de-DE" dirty="0" err="1">
-                <a:solidFill>
-                  <a:schemeClr val="bg1"/>
-                </a:solidFill>
-              </a:rPr>
-              <a:t>of</a:t>
-            </a:r>
-            <a:r>
-              <a:rPr lang="de-DE" dirty="0">
-                <a:solidFill>
-                  <a:schemeClr val="bg1"/>
-                </a:solidFill>
-              </a:rPr>
-              <a:t> </a:t>
-            </a:r>
-            <a:r>
-              <a:rPr lang="de-DE" dirty="0" err="1">
-                <a:solidFill>
-                  <a:schemeClr val="bg1"/>
-                </a:solidFill>
-              </a:rPr>
-              <a:t>interfaces</a:t>
-            </a:r>
-            <a:endParaRPr lang="de-DE" dirty="0">
-              <a:solidFill>
-                <a:schemeClr val="bg1"/>
-              </a:solidFill>
-            </a:endParaRPr>
-          </a:p>
         </p:txBody>
       </p:sp>
       <p:sp>
@@ -6991,8 +5912,8 @@
         </p:nvSpPr>
         <p:spPr>
           <a:xfrm>
-            <a:off x="262800" y="2574600"/>
-            <a:ext cx="1944000" cy="972000"/>
+            <a:off x="262800" y="2233566"/>
+            <a:ext cx="1512000" cy="756000"/>
           </a:xfrm>
           <a:prstGeom prst="rect">
             <a:avLst/>
@@ -7009,14 +5930,14 @@
           <a:p>
             <a:pPr algn="ctr"/>
             <a:r>
-              <a:rPr lang="de-DE" sz="2400" b="1" dirty="0" err="1">
+              <a:rPr lang="de-DE" b="1" err="1">
                 <a:solidFill>
                   <a:schemeClr val="bg1"/>
                 </a:solidFill>
               </a:rPr>
               <a:t>S2</a:t>
             </a:r>
-            <a:endParaRPr lang="de-DE" sz="2400" b="1" dirty="0">
+            <a:endParaRPr lang="de-DE" b="1">
               <a:solidFill>
                 <a:schemeClr val="bg1"/>
               </a:solidFill>
@@ -7025,7 +5946,7 @@
           <a:p>
             <a:pPr algn="ctr"/>
             <a:r>
-              <a:rPr lang="de-DE" dirty="0" err="1">
+              <a:rPr lang="de-DE" sz="1400" err="1">
                 <a:solidFill>
                   <a:schemeClr val="bg1"/>
                 </a:solidFill>
@@ -7033,21 +5954,21 @@
               <a:t>Mean-field</a:t>
             </a:r>
             <a:br>
-              <a:rPr lang="de-DE" dirty="0">
+              <a:rPr lang="de-DE" sz="1400">
                 <a:solidFill>
                   <a:schemeClr val="bg1"/>
                 </a:solidFill>
               </a:rPr>
             </a:br>
             <a:r>
-              <a:rPr lang="de-DE" dirty="0" err="1">
+              <a:rPr lang="de-DE" sz="1400" err="1">
                 <a:solidFill>
                   <a:schemeClr val="bg1"/>
                 </a:solidFill>
               </a:rPr>
               <a:t>modeling</a:t>
             </a:r>
-            <a:endParaRPr lang="de-DE" dirty="0">
+            <a:endParaRPr lang="de-DE" sz="1400">
               <a:solidFill>
                 <a:schemeClr val="bg1"/>
               </a:solidFill>
@@ -7063,8 +5984,8 @@
         </p:nvSpPr>
         <p:spPr>
           <a:xfrm>
-            <a:off x="2364698" y="1480296"/>
-            <a:ext cx="1944000" cy="972000"/>
+            <a:off x="2364698" y="1139262"/>
+            <a:ext cx="1512000" cy="756000"/>
           </a:xfrm>
           <a:prstGeom prst="rect">
             <a:avLst/>
@@ -7081,14 +6002,14 @@
           <a:p>
             <a:pPr algn="ctr"/>
             <a:r>
-              <a:rPr lang="de-DE" sz="2400" b="1" dirty="0" err="1">
+              <a:rPr lang="de-DE" sz="1600" b="1" dirty="0" err="1">
                 <a:solidFill>
                   <a:schemeClr val="bg1"/>
                 </a:solidFill>
               </a:rPr>
               <a:t>D1</a:t>
             </a:r>
-            <a:endParaRPr lang="de-DE" sz="2400" b="1" dirty="0">
+            <a:endParaRPr lang="de-DE" sz="1600" b="1" dirty="0">
               <a:solidFill>
                 <a:schemeClr val="bg1"/>
               </a:solidFill>
@@ -7097,7 +6018,7 @@
           <a:p>
             <a:pPr algn="ctr"/>
             <a:r>
-              <a:rPr lang="en-US" dirty="0">
+              <a:rPr lang="en-US" sz="1400" dirty="0">
                 <a:solidFill>
                   <a:schemeClr val="bg1"/>
                 </a:solidFill>
@@ -7105,14 +6026,14 @@
               <a:t>Process simulation</a:t>
             </a:r>
             <a:br>
-              <a:rPr lang="en-US" dirty="0">
+              <a:rPr lang="en-US" sz="1400" dirty="0">
                 <a:solidFill>
                   <a:schemeClr val="bg1"/>
                 </a:solidFill>
               </a:rPr>
             </a:br>
             <a:r>
-              <a:rPr lang="en-US" dirty="0">
+              <a:rPr lang="en-US" sz="1400" dirty="0">
                 <a:solidFill>
                   <a:schemeClr val="bg1"/>
                 </a:solidFill>
@@ -7130,8 +6051,8 @@
         </p:nvSpPr>
         <p:spPr>
           <a:xfrm>
-            <a:off x="4378353" y="2574600"/>
-            <a:ext cx="1944000" cy="972000"/>
+            <a:off x="4378353" y="2233566"/>
+            <a:ext cx="1512000" cy="756000"/>
           </a:xfrm>
           <a:prstGeom prst="rect">
             <a:avLst/>
@@ -7148,14 +6069,14 @@
           <a:p>
             <a:pPr algn="ctr"/>
             <a:r>
-              <a:rPr lang="de-DE" sz="2400" b="1" dirty="0" err="1">
+              <a:rPr lang="de-DE" b="1" err="1">
                 <a:solidFill>
                   <a:schemeClr val="bg1"/>
                 </a:solidFill>
               </a:rPr>
               <a:t>C2</a:t>
             </a:r>
-            <a:endParaRPr lang="de-DE" sz="2400" b="1" dirty="0">
+            <a:endParaRPr lang="de-DE" b="1">
               <a:solidFill>
                 <a:schemeClr val="bg1"/>
               </a:solidFill>
@@ -7164,7 +6085,7 @@
           <a:p>
             <a:pPr algn="ctr"/>
             <a:r>
-              <a:rPr lang="de-DE" dirty="0" err="1">
+              <a:rPr lang="de-DE" sz="1400" err="1">
                 <a:solidFill>
                   <a:schemeClr val="bg1"/>
                 </a:solidFill>
@@ -7172,7 +6093,7 @@
               <a:t>Micro</a:t>
             </a:r>
             <a:r>
-              <a:rPr lang="de-DE" dirty="0">
+              <a:rPr lang="de-DE" sz="1400">
                 <a:solidFill>
                   <a:schemeClr val="bg1"/>
                 </a:solidFill>
@@ -7183,14 +6104,14 @@
           <a:p>
             <a:pPr algn="ctr"/>
             <a:r>
-              <a:rPr lang="de-DE" dirty="0" err="1">
+              <a:rPr lang="de-DE" sz="1400" err="1">
                 <a:solidFill>
                   <a:schemeClr val="bg1"/>
                 </a:solidFill>
               </a:rPr>
               <a:t>characterization</a:t>
             </a:r>
-            <a:endParaRPr lang="de-DE" dirty="0">
+            <a:endParaRPr lang="de-DE" sz="1400">
               <a:solidFill>
                 <a:schemeClr val="bg1"/>
               </a:solidFill>
@@ -7206,8 +6127,8 @@
         </p:nvSpPr>
         <p:spPr>
           <a:xfrm>
-            <a:off x="4378353" y="3627000"/>
-            <a:ext cx="1944000" cy="972000"/>
+            <a:off x="4378353" y="3285966"/>
+            <a:ext cx="1512000" cy="756000"/>
           </a:xfrm>
           <a:prstGeom prst="rect">
             <a:avLst/>
@@ -7224,14 +6145,14 @@
           <a:p>
             <a:pPr algn="ctr"/>
             <a:r>
-              <a:rPr lang="de-DE" sz="2400" b="1" dirty="0" err="1">
+              <a:rPr lang="de-DE" b="1" err="1">
                 <a:solidFill>
                   <a:schemeClr val="bg1"/>
                 </a:solidFill>
               </a:rPr>
               <a:t>C3</a:t>
             </a:r>
-            <a:endParaRPr lang="de-DE" sz="2400" b="1" dirty="0">
+            <a:endParaRPr lang="de-DE" b="1">
               <a:solidFill>
                 <a:schemeClr val="bg1"/>
               </a:solidFill>
@@ -7240,7 +6161,7 @@
           <a:p>
             <a:pPr algn="ctr"/>
             <a:r>
-              <a:rPr lang="de-DE" dirty="0" err="1">
+              <a:rPr lang="de-DE" sz="1400" err="1">
                 <a:solidFill>
                   <a:schemeClr val="bg1"/>
                 </a:solidFill>
@@ -7248,7 +6169,7 @@
               <a:t>Macro</a:t>
             </a:r>
             <a:r>
-              <a:rPr lang="de-DE" dirty="0">
+              <a:rPr lang="de-DE" sz="1400">
                 <a:solidFill>
                   <a:schemeClr val="bg1"/>
                 </a:solidFill>
@@ -7259,14 +6180,14 @@
           <a:p>
             <a:pPr algn="ctr"/>
             <a:r>
-              <a:rPr lang="de-DE" dirty="0" err="1">
+              <a:rPr lang="de-DE" sz="1400" err="1">
                 <a:solidFill>
                   <a:schemeClr val="bg1"/>
                 </a:solidFill>
               </a:rPr>
               <a:t>characterization</a:t>
             </a:r>
-            <a:endParaRPr lang="de-DE" dirty="0">
+            <a:endParaRPr lang="de-DE" sz="1400">
               <a:solidFill>
                 <a:schemeClr val="bg1"/>
               </a:solidFill>
@@ -7282,8 +6203,8 @@
         </p:nvSpPr>
         <p:spPr>
           <a:xfrm>
-            <a:off x="262800" y="3591645"/>
-            <a:ext cx="1944000" cy="972000"/>
+            <a:off x="262800" y="3250611"/>
+            <a:ext cx="1512000" cy="756000"/>
           </a:xfrm>
           <a:prstGeom prst="rect">
             <a:avLst/>
@@ -7300,14 +6221,14 @@
           <a:p>
             <a:pPr algn="ctr"/>
             <a:r>
-              <a:rPr lang="de-DE" sz="2400" b="1" dirty="0" err="1">
+              <a:rPr lang="de-DE" b="1" dirty="0" err="1">
                 <a:solidFill>
                   <a:schemeClr val="bg1"/>
                 </a:solidFill>
               </a:rPr>
               <a:t>S3</a:t>
             </a:r>
-            <a:endParaRPr lang="de-DE" sz="2400" b="1" dirty="0">
+            <a:endParaRPr lang="de-DE" b="1" dirty="0">
               <a:solidFill>
                 <a:schemeClr val="bg1"/>
               </a:solidFill>
@@ -7316,7 +6237,7 @@
           <a:p>
             <a:pPr algn="ctr"/>
             <a:r>
-              <a:rPr lang="de-DE" dirty="0" err="1">
+              <a:rPr lang="de-DE" sz="1400" dirty="0" err="1">
                 <a:solidFill>
                   <a:schemeClr val="bg1"/>
                 </a:solidFill>
@@ -7324,21 +6245,21 @@
               <a:t>Micro-mechanical</a:t>
             </a:r>
             <a:br>
-              <a:rPr lang="de-DE" dirty="0">
+              <a:rPr lang="de-DE" sz="1400" dirty="0">
                 <a:solidFill>
                   <a:schemeClr val="bg1"/>
                 </a:solidFill>
               </a:rPr>
             </a:br>
             <a:r>
-              <a:rPr lang="de-DE" dirty="0" err="1">
+              <a:rPr lang="de-DE" sz="1400" dirty="0" err="1">
                 <a:solidFill>
                   <a:schemeClr val="bg1"/>
                 </a:solidFill>
               </a:rPr>
               <a:t>modeling</a:t>
             </a:r>
-            <a:endParaRPr lang="de-DE" dirty="0">
+            <a:endParaRPr lang="de-DE" sz="1400" dirty="0">
               <a:solidFill>
                 <a:schemeClr val="bg1"/>
               </a:solidFill>
@@ -7354,8 +6275,8 @@
         </p:nvSpPr>
         <p:spPr>
           <a:xfrm>
-            <a:off x="262800" y="1480296"/>
-            <a:ext cx="1944000" cy="972000"/>
+            <a:off x="262800" y="1139262"/>
+            <a:ext cx="1512000" cy="756000"/>
           </a:xfrm>
           <a:prstGeom prst="rect">
             <a:avLst/>
@@ -7372,14 +6293,14 @@
           <a:p>
             <a:pPr algn="ctr"/>
             <a:r>
-              <a:rPr lang="de-DE" sz="2400" b="1" dirty="0" err="1">
+              <a:rPr lang="de-DE" b="1" dirty="0" err="1">
                 <a:solidFill>
                   <a:schemeClr val="bg1"/>
                 </a:solidFill>
               </a:rPr>
               <a:t>S1</a:t>
             </a:r>
-            <a:endParaRPr lang="de-DE" sz="2400" b="1" dirty="0">
+            <a:endParaRPr lang="de-DE" b="1" dirty="0">
               <a:solidFill>
                 <a:schemeClr val="bg1"/>
               </a:solidFill>
@@ -7388,7 +6309,7 @@
           <a:p>
             <a:pPr algn="ctr"/>
             <a:r>
-              <a:rPr lang="de-DE" dirty="0" err="1">
+              <a:rPr lang="de-DE" sz="1400" dirty="0" err="1">
                 <a:solidFill>
                   <a:schemeClr val="bg1"/>
                 </a:solidFill>
@@ -7396,7 +6317,7 @@
               <a:t>Damage</a:t>
             </a:r>
             <a:r>
-              <a:rPr lang="de-DE" dirty="0">
+              <a:rPr lang="de-DE" sz="1400" dirty="0">
                 <a:solidFill>
                   <a:schemeClr val="bg1"/>
                 </a:solidFill>
@@ -7404,14 +6325,14 @@
               <a:t> </a:t>
             </a:r>
             <a:r>
-              <a:rPr lang="de-DE" dirty="0" err="1">
+              <a:rPr lang="de-DE" sz="1400" dirty="0" err="1">
                 <a:solidFill>
                   <a:schemeClr val="bg1"/>
                 </a:solidFill>
               </a:rPr>
               <a:t>and</a:t>
             </a:r>
-            <a:endParaRPr lang="de-DE" dirty="0">
+            <a:endParaRPr lang="de-DE" sz="1400" dirty="0">
               <a:solidFill>
                 <a:schemeClr val="bg1"/>
               </a:solidFill>
@@ -7420,7 +6341,7 @@
           <a:p>
             <a:pPr algn="ctr"/>
             <a:r>
-              <a:rPr lang="de-DE" dirty="0" err="1">
+              <a:rPr lang="de-DE" sz="1400" dirty="0" err="1">
                 <a:solidFill>
                   <a:schemeClr val="bg1"/>
                 </a:solidFill>
@@ -7428,7 +6349,7 @@
               <a:t>fracture</a:t>
             </a:r>
             <a:r>
-              <a:rPr lang="de-DE" dirty="0">
+              <a:rPr lang="de-DE" sz="1400" dirty="0">
                 <a:solidFill>
                   <a:schemeClr val="bg1"/>
                 </a:solidFill>
@@ -7436,14 +6357,14 @@
               <a:t> </a:t>
             </a:r>
             <a:r>
-              <a:rPr lang="de-DE" dirty="0" err="1">
+              <a:rPr lang="de-DE" sz="1400" dirty="0" err="1">
                 <a:solidFill>
                   <a:schemeClr val="bg1"/>
                 </a:solidFill>
               </a:rPr>
               <a:t>mechanics</a:t>
             </a:r>
-            <a:endParaRPr lang="de-DE" dirty="0">
+            <a:endParaRPr lang="de-DE" sz="1400" dirty="0">
               <a:solidFill>
                 <a:schemeClr val="bg1"/>
               </a:solidFill>
@@ -7459,8 +6380,8 @@
         </p:nvSpPr>
         <p:spPr>
           <a:xfrm>
-            <a:off x="6506634" y="4681566"/>
-            <a:ext cx="1944000" cy="972000"/>
+            <a:off x="6506634" y="4340532"/>
+            <a:ext cx="1512000" cy="756000"/>
           </a:xfrm>
           <a:prstGeom prst="rect">
             <a:avLst/>
@@ -7477,14 +6398,14 @@
           <a:p>
             <a:pPr algn="ctr"/>
             <a:r>
-              <a:rPr lang="de-DE" sz="2400" b="1" dirty="0" err="1">
+              <a:rPr lang="de-DE" sz="1600" b="1" dirty="0" err="1">
                 <a:solidFill>
                   <a:schemeClr val="bg1"/>
                 </a:solidFill>
               </a:rPr>
               <a:t>T4</a:t>
             </a:r>
-            <a:endParaRPr lang="de-DE" sz="2400" b="1" dirty="0">
+            <a:endParaRPr lang="de-DE" sz="1600" b="1" dirty="0">
               <a:solidFill>
                 <a:schemeClr val="bg1"/>
               </a:solidFill>
@@ -7493,7 +6414,7 @@
           <a:p>
             <a:pPr algn="ctr"/>
             <a:r>
-              <a:rPr lang="de-DE" dirty="0">
+              <a:rPr lang="de-DE" sz="1400" dirty="0">
                 <a:solidFill>
                   <a:schemeClr val="bg1"/>
                 </a:solidFill>
@@ -7501,21 +6422,21 @@
               <a:t>Post-</a:t>
             </a:r>
             <a:br>
-              <a:rPr lang="de-DE" dirty="0">
+              <a:rPr lang="de-DE" sz="1400" dirty="0">
                 <a:solidFill>
                   <a:schemeClr val="bg1"/>
                 </a:solidFill>
               </a:rPr>
             </a:br>
             <a:r>
-              <a:rPr lang="de-DE" dirty="0" err="1">
+              <a:rPr lang="de-DE" sz="1400" dirty="0" err="1">
                 <a:solidFill>
                   <a:schemeClr val="bg1"/>
                 </a:solidFill>
               </a:rPr>
               <a:t>processing</a:t>
             </a:r>
-            <a:endParaRPr lang="de-DE" dirty="0">
+            <a:endParaRPr lang="de-DE" sz="1400" dirty="0">
               <a:solidFill>
                 <a:schemeClr val="bg1"/>
               </a:solidFill>
@@ -7531,8 +6452,8 @@
         </p:nvSpPr>
         <p:spPr>
           <a:xfrm>
-            <a:off x="2364698" y="2574600"/>
-            <a:ext cx="1944000" cy="972000"/>
+            <a:off x="2364698" y="2233566"/>
+            <a:ext cx="1512000" cy="756000"/>
           </a:xfrm>
           <a:prstGeom prst="rect">
             <a:avLst/>
@@ -7549,7 +6470,7 @@
           <a:p>
             <a:pPr algn="ctr"/>
             <a:r>
-              <a:rPr lang="de-DE" sz="2400" b="1" dirty="0">
+              <a:rPr lang="de-DE" sz="1600" b="1" dirty="0">
                 <a:solidFill>
                   <a:schemeClr val="bg1"/>
                 </a:solidFill>
@@ -7560,7 +6481,7 @@
           <a:p>
             <a:pPr algn="ctr"/>
             <a:r>
-              <a:rPr lang="en-US" dirty="0">
+              <a:rPr lang="en-US" sz="1400" dirty="0">
                 <a:solidFill>
                   <a:schemeClr val="bg1"/>
                 </a:solidFill>
@@ -7568,21 +6489,21 @@
               <a:t>Topology and </a:t>
             </a:r>
             <a:br>
-              <a:rPr lang="en-US" dirty="0">
+              <a:rPr lang="en-US" sz="1400" dirty="0">
                 <a:solidFill>
                   <a:schemeClr val="bg1"/>
                 </a:solidFill>
               </a:rPr>
             </a:br>
             <a:r>
-              <a:rPr lang="en-US" dirty="0">
+              <a:rPr lang="en-US" sz="1400" dirty="0">
                 <a:solidFill>
                   <a:schemeClr val="bg1"/>
                 </a:solidFill>
               </a:rPr>
               <a:t>shape optimization</a:t>
             </a:r>
-            <a:endParaRPr lang="de-DE" dirty="0">
+            <a:endParaRPr lang="de-DE" sz="1400" dirty="0">
               <a:solidFill>
                 <a:schemeClr val="bg1"/>
               </a:solidFill>
@@ -7598,8 +6519,8 @@
         </p:nvSpPr>
         <p:spPr>
           <a:xfrm>
-            <a:off x="2364698" y="3627000"/>
-            <a:ext cx="1944000" cy="972000"/>
+            <a:off x="2364698" y="3285966"/>
+            <a:ext cx="1512000" cy="756000"/>
           </a:xfrm>
           <a:prstGeom prst="rect">
             <a:avLst/>
@@ -7616,14 +6537,14 @@
           <a:p>
             <a:pPr algn="ctr"/>
             <a:r>
-              <a:rPr lang="de-DE" sz="2400" b="1" dirty="0" err="1">
+              <a:rPr lang="de-DE" sz="1600" b="1" dirty="0" err="1">
                 <a:solidFill>
                   <a:schemeClr val="bg1"/>
                 </a:solidFill>
               </a:rPr>
               <a:t>D3</a:t>
             </a:r>
-            <a:endParaRPr lang="de-DE" sz="2400" b="1" dirty="0">
+            <a:endParaRPr lang="de-DE" sz="1600" b="1" dirty="0">
               <a:solidFill>
                 <a:schemeClr val="bg1"/>
               </a:solidFill>
@@ -7632,7 +6553,7 @@
           <a:p>
             <a:pPr algn="ctr"/>
             <a:r>
-              <a:rPr lang="en-US" dirty="0">
+              <a:rPr lang="en-US" sz="1400" dirty="0">
                 <a:solidFill>
                   <a:schemeClr val="bg1"/>
                 </a:solidFill>
@@ -7640,21 +6561,21 @@
               <a:t>Design guidelines</a:t>
             </a:r>
             <a:br>
-              <a:rPr lang="en-US" dirty="0">
+              <a:rPr lang="en-US" sz="1400" dirty="0">
                 <a:solidFill>
                   <a:schemeClr val="bg1"/>
                 </a:solidFill>
               </a:rPr>
             </a:br>
             <a:r>
-              <a:rPr lang="en-US" dirty="0">
+              <a:rPr lang="en-US" sz="1400" dirty="0">
                 <a:solidFill>
                   <a:schemeClr val="bg1"/>
                 </a:solidFill>
               </a:rPr>
               <a:t>Engineering process</a:t>
             </a:r>
-            <a:endParaRPr lang="de-DE" dirty="0">
+            <a:endParaRPr lang="de-DE" sz="1400" dirty="0">
               <a:solidFill>
                 <a:schemeClr val="bg1"/>
               </a:solidFill>
@@ -7670,8 +6591,8 @@
         </p:nvSpPr>
         <p:spPr>
           <a:xfrm>
-            <a:off x="6506634" y="3627000"/>
-            <a:ext cx="1944000" cy="972000"/>
+            <a:off x="6506634" y="3285966"/>
+            <a:ext cx="1512000" cy="756000"/>
           </a:xfrm>
           <a:prstGeom prst="rect">
             <a:avLst/>
@@ -7688,14 +6609,14 @@
           <a:p>
             <a:pPr algn="ctr"/>
             <a:r>
-              <a:rPr lang="de-DE" sz="2400" b="1" dirty="0" err="1">
+              <a:rPr lang="de-DE" sz="1600" b="1" dirty="0" err="1">
                 <a:solidFill>
                   <a:schemeClr val="bg1"/>
                 </a:solidFill>
               </a:rPr>
               <a:t>T3</a:t>
             </a:r>
-            <a:endParaRPr lang="de-DE" sz="2400" b="1" dirty="0">
+            <a:endParaRPr lang="de-DE" sz="1600" b="1" dirty="0">
               <a:solidFill>
                 <a:schemeClr val="bg1"/>
               </a:solidFill>
@@ -7704,7 +6625,7 @@
           <a:p>
             <a:pPr algn="ctr"/>
             <a:r>
-              <a:rPr lang="de-DE" dirty="0">
+              <a:rPr lang="de-DE" sz="1400" dirty="0">
                 <a:solidFill>
                   <a:schemeClr val="bg1"/>
                 </a:solidFill>
@@ -7712,21 +6633,21 @@
               <a:t>Quality</a:t>
             </a:r>
             <a:br>
-              <a:rPr lang="de-DE" dirty="0">
+              <a:rPr lang="de-DE" sz="1400" dirty="0">
                 <a:solidFill>
                   <a:schemeClr val="bg1"/>
                 </a:solidFill>
               </a:rPr>
             </a:br>
             <a:r>
-              <a:rPr lang="de-DE" dirty="0" err="1">
+              <a:rPr lang="de-DE" sz="1400" dirty="0" err="1">
                 <a:solidFill>
                   <a:schemeClr val="bg1"/>
                 </a:solidFill>
               </a:rPr>
               <a:t>assurance</a:t>
             </a:r>
-            <a:endParaRPr lang="de-DE" dirty="0">
+            <a:endParaRPr lang="de-DE" sz="1400" dirty="0">
               <a:solidFill>
                 <a:schemeClr val="bg1"/>
               </a:solidFill>
@@ -7742,8 +6663,8 @@
         </p:nvSpPr>
         <p:spPr>
           <a:xfrm>
-            <a:off x="6506634" y="2574600"/>
-            <a:ext cx="1944000" cy="972000"/>
+            <a:off x="6506634" y="2233566"/>
+            <a:ext cx="1512000" cy="756000"/>
           </a:xfrm>
           <a:prstGeom prst="rect">
             <a:avLst/>
@@ -7760,14 +6681,14 @@
           <a:p>
             <a:pPr algn="ctr"/>
             <a:r>
-              <a:rPr lang="de-DE" sz="2400" b="1" dirty="0" err="1">
+              <a:rPr lang="de-DE" sz="1600" b="1" dirty="0" err="1">
                 <a:solidFill>
                   <a:schemeClr val="bg1"/>
                 </a:solidFill>
               </a:rPr>
               <a:t>T2</a:t>
             </a:r>
-            <a:endParaRPr lang="de-DE" sz="2400" b="1" dirty="0">
+            <a:endParaRPr lang="de-DE" sz="1600" b="1" dirty="0">
               <a:solidFill>
                 <a:schemeClr val="bg1"/>
               </a:solidFill>
@@ -7776,7 +6697,7 @@
           <a:p>
             <a:pPr algn="ctr"/>
             <a:r>
-              <a:rPr lang="de-DE" dirty="0">
+              <a:rPr lang="de-DE" sz="1400" dirty="0">
                 <a:solidFill>
                   <a:schemeClr val="bg1"/>
                 </a:solidFill>
@@ -7784,7 +6705,7 @@
               <a:t>Handling </a:t>
             </a:r>
             <a:r>
-              <a:rPr lang="de-DE" dirty="0" err="1">
+              <a:rPr lang="de-DE" sz="1400" dirty="0" err="1">
                 <a:solidFill>
                   <a:schemeClr val="bg1"/>
                 </a:solidFill>
@@ -7792,21 +6713,21 @@
               <a:t>and</a:t>
             </a:r>
             <a:br>
-              <a:rPr lang="de-DE" dirty="0">
+              <a:rPr lang="de-DE" sz="1400" dirty="0">
                 <a:solidFill>
                   <a:schemeClr val="bg1"/>
                 </a:solidFill>
               </a:rPr>
             </a:br>
             <a:r>
-              <a:rPr lang="de-DE" dirty="0" err="1">
+              <a:rPr lang="de-DE" sz="1400" dirty="0" err="1">
                 <a:solidFill>
                   <a:schemeClr val="bg1"/>
                 </a:solidFill>
               </a:rPr>
               <a:t>preforming</a:t>
             </a:r>
-            <a:endParaRPr lang="de-DE" dirty="0">
+            <a:endParaRPr lang="de-DE" sz="1400" dirty="0">
               <a:solidFill>
                 <a:schemeClr val="bg1"/>
               </a:solidFill>
@@ -7822,8 +6743,8 @@
         </p:nvSpPr>
         <p:spPr>
           <a:xfrm>
-            <a:off x="6506634" y="1480296"/>
-            <a:ext cx="1944000" cy="972000"/>
+            <a:off x="6506634" y="1139262"/>
+            <a:ext cx="1512000" cy="756000"/>
           </a:xfrm>
           <a:prstGeom prst="rect">
             <a:avLst/>
@@ -7840,14 +6761,14 @@
           <a:p>
             <a:pPr algn="ctr"/>
             <a:r>
-              <a:rPr lang="de-DE" sz="2400" b="1" dirty="0" err="1">
+              <a:rPr lang="de-DE" sz="1600" b="1" dirty="0" err="1">
                 <a:solidFill>
                   <a:schemeClr val="bg1"/>
                 </a:solidFill>
               </a:rPr>
               <a:t>T1</a:t>
             </a:r>
-            <a:endParaRPr lang="de-DE" sz="2400" b="1" dirty="0">
+            <a:endParaRPr lang="de-DE" sz="1600" b="1" dirty="0">
               <a:solidFill>
                 <a:schemeClr val="bg1"/>
               </a:solidFill>
@@ -7856,7 +6777,7 @@
           <a:p>
             <a:pPr algn="ctr"/>
             <a:r>
-              <a:rPr lang="de-DE" dirty="0">
+              <a:rPr lang="de-DE" sz="1400" dirty="0">
                 <a:solidFill>
                   <a:schemeClr val="bg1"/>
                 </a:solidFill>
@@ -7867,14 +6788,14 @@
           <a:p>
             <a:pPr algn="ctr"/>
             <a:r>
-              <a:rPr lang="de-DE" dirty="0" err="1">
+              <a:rPr lang="de-DE" sz="1400" dirty="0" err="1">
                 <a:solidFill>
                   <a:schemeClr val="bg1"/>
                 </a:solidFill>
               </a:rPr>
               <a:t>processing</a:t>
             </a:r>
-            <a:endParaRPr lang="de-DE" dirty="0">
+            <a:endParaRPr lang="de-DE" sz="1400" dirty="0">
               <a:solidFill>
                 <a:schemeClr val="bg1"/>
               </a:solidFill>
@@ -7890,8 +6811,8 @@
         </p:nvSpPr>
         <p:spPr>
           <a:xfrm>
-            <a:off x="262800" y="4681566"/>
-            <a:ext cx="1944000" cy="972000"/>
+            <a:off x="262800" y="4340532"/>
+            <a:ext cx="1512000" cy="756000"/>
           </a:xfrm>
           <a:prstGeom prst="rect">
             <a:avLst/>
@@ -7908,14 +6829,14 @@
           <a:p>
             <a:pPr algn="ctr"/>
             <a:r>
-              <a:rPr lang="de-DE" sz="2400" b="1" dirty="0" err="1">
+              <a:rPr lang="de-DE" b="1" dirty="0" err="1">
                 <a:solidFill>
                   <a:schemeClr val="bg1"/>
                 </a:solidFill>
               </a:rPr>
               <a:t>S4</a:t>
             </a:r>
-            <a:endParaRPr lang="de-DE" sz="2400" b="1" dirty="0">
+            <a:endParaRPr lang="de-DE" b="1" dirty="0">
               <a:solidFill>
                 <a:schemeClr val="bg1"/>
               </a:solidFill>
@@ -7924,7 +6845,7 @@
           <a:p>
             <a:pPr algn="ctr"/>
             <a:r>
-              <a:rPr lang="de-DE" dirty="0">
+              <a:rPr lang="de-DE" sz="1400" dirty="0">
                 <a:solidFill>
                   <a:schemeClr val="bg1"/>
                 </a:solidFill>
@@ -7932,7 +6853,7 @@
               <a:t>Phase-</a:t>
             </a:r>
             <a:r>
-              <a:rPr lang="de-DE" dirty="0" err="1">
+              <a:rPr lang="de-DE" sz="1400" dirty="0" err="1">
                 <a:solidFill>
                   <a:schemeClr val="bg1"/>
                 </a:solidFill>
@@ -7940,21 +6861,21 @@
               <a:t>field</a:t>
             </a:r>
             <a:br>
-              <a:rPr lang="de-DE" dirty="0">
+              <a:rPr lang="de-DE" sz="1400" dirty="0">
                 <a:solidFill>
                   <a:schemeClr val="bg1"/>
                 </a:solidFill>
               </a:rPr>
             </a:br>
             <a:r>
-              <a:rPr lang="de-DE" dirty="0" err="1">
+              <a:rPr lang="de-DE" sz="1400" dirty="0" err="1">
                 <a:solidFill>
                   <a:schemeClr val="bg1"/>
                 </a:solidFill>
               </a:rPr>
               <a:t>modeling</a:t>
             </a:r>
-            <a:endParaRPr lang="de-DE" dirty="0">
+            <a:endParaRPr lang="de-DE" sz="1400" dirty="0">
               <a:solidFill>
                 <a:schemeClr val="bg1"/>
               </a:solidFill>
@@ -7964,7 +6885,7 @@
       </p:sp>
       <p:sp>
         <p:nvSpPr>
-          <p:cNvPr id="16" name="Titel 1"/>
+          <p:cNvPr id="29" name="Titel 1"/>
           <p:cNvSpPr txBox="1">
             <a:spLocks/>
           </p:cNvSpPr>
@@ -7992,7 +6913,7 @@
             </a:pPr>
             <a:r>
               <a:rPr lang="en-US" sz="2800" dirty="0"/>
-              <a:t>Large project blocks ( your project in the center)</a:t>
+              <a:t>Small project blocks (outside)</a:t>
             </a:r>
             <a:endParaRPr kumimoji="0" lang="en-US" sz="2800" b="1" i="0" u="none" strike="noStrike" kern="1200" cap="none" spc="0" normalizeH="0" baseline="0" noProof="0" dirty="0">
               <a:ln>
@@ -8020,6 +6941,1148 @@
 </file>
 
 <file path=ppt/slides/slide6.xml><?xml version="1.0" encoding="utf-8"?>
+<p:sld xmlns:a="http://schemas.openxmlformats.org/drawingml/2006/main" xmlns:r="http://schemas.openxmlformats.org/officeDocument/2006/relationships" xmlns:p="http://schemas.openxmlformats.org/presentationml/2006/main">
+  <p:cSld>
+    <p:spTree>
+      <p:nvGrpSpPr>
+        <p:cNvPr id="1" name=""/>
+        <p:cNvGrpSpPr/>
+        <p:nvPr/>
+      </p:nvGrpSpPr>
+      <p:grpSpPr>
+        <a:xfrm>
+          <a:off x="0" y="0"/>
+          <a:ext cx="0" cy="0"/>
+          <a:chOff x="0" y="0"/>
+          <a:chExt cx="0" cy="0"/>
+        </a:xfrm>
+      </p:grpSpPr>
+      <p:sp>
+        <p:nvSpPr>
+          <p:cNvPr id="3" name="Textfeld 2"/>
+          <p:cNvSpPr txBox="1"/>
+          <p:nvPr/>
+        </p:nvSpPr>
+        <p:spPr>
+          <a:xfrm>
+            <a:off x="4378353" y="1480296"/>
+            <a:ext cx="1944000" cy="972000"/>
+          </a:xfrm>
+          <a:prstGeom prst="rect">
+            <a:avLst/>
+          </a:prstGeom>
+          <a:solidFill>
+            <a:srgbClr val="E6AF00"/>
+          </a:solidFill>
+        </p:spPr>
+        <p:txBody>
+          <a:bodyPr wrap="none" bIns="72000" rtlCol="0" anchor="ctr" anchorCtr="1">
+            <a:noAutofit/>
+          </a:bodyPr>
+          <a:lstStyle/>
+          <a:p>
+            <a:pPr algn="ctr"/>
+            <a:r>
+              <a:rPr lang="de-DE" sz="2400" b="1" dirty="0" err="1">
+                <a:solidFill>
+                  <a:schemeClr val="bg1"/>
+                </a:solidFill>
+              </a:rPr>
+              <a:t>C1</a:t>
+            </a:r>
+            <a:endParaRPr lang="de-DE" sz="2400" b="1" dirty="0">
+              <a:solidFill>
+                <a:schemeClr val="bg1"/>
+              </a:solidFill>
+            </a:endParaRPr>
+          </a:p>
+          <a:p>
+            <a:pPr algn="ctr"/>
+            <a:r>
+              <a:rPr lang="de-DE" dirty="0" err="1">
+                <a:solidFill>
+                  <a:schemeClr val="bg1"/>
+                </a:solidFill>
+              </a:rPr>
+              <a:t>Mechanics</a:t>
+            </a:r>
+            <a:endParaRPr lang="de-DE" dirty="0">
+              <a:solidFill>
+                <a:schemeClr val="bg1"/>
+              </a:solidFill>
+            </a:endParaRPr>
+          </a:p>
+          <a:p>
+            <a:pPr algn="ctr"/>
+            <a:r>
+              <a:rPr lang="de-DE" dirty="0" err="1">
+                <a:solidFill>
+                  <a:schemeClr val="bg1"/>
+                </a:solidFill>
+              </a:rPr>
+              <a:t>of</a:t>
+            </a:r>
+            <a:r>
+              <a:rPr lang="de-DE" dirty="0">
+                <a:solidFill>
+                  <a:schemeClr val="bg1"/>
+                </a:solidFill>
+              </a:rPr>
+              <a:t> </a:t>
+            </a:r>
+            <a:r>
+              <a:rPr lang="de-DE" dirty="0" err="1">
+                <a:solidFill>
+                  <a:schemeClr val="bg1"/>
+                </a:solidFill>
+              </a:rPr>
+              <a:t>interfaces</a:t>
+            </a:r>
+            <a:endParaRPr lang="de-DE" dirty="0">
+              <a:solidFill>
+                <a:schemeClr val="bg1"/>
+              </a:solidFill>
+            </a:endParaRPr>
+          </a:p>
+        </p:txBody>
+      </p:sp>
+      <p:sp>
+        <p:nvSpPr>
+          <p:cNvPr id="4" name="Textfeld 3"/>
+          <p:cNvSpPr txBox="1"/>
+          <p:nvPr/>
+        </p:nvSpPr>
+        <p:spPr>
+          <a:xfrm>
+            <a:off x="262800" y="2574600"/>
+            <a:ext cx="1944000" cy="972000"/>
+          </a:xfrm>
+          <a:prstGeom prst="rect">
+            <a:avLst/>
+          </a:prstGeom>
+          <a:solidFill>
+            <a:srgbClr val="0078E6"/>
+          </a:solidFill>
+        </p:spPr>
+        <p:txBody>
+          <a:bodyPr wrap="none" bIns="72000" rtlCol="0" anchor="ctr" anchorCtr="1">
+            <a:noAutofit/>
+          </a:bodyPr>
+          <a:lstStyle/>
+          <a:p>
+            <a:pPr algn="ctr"/>
+            <a:r>
+              <a:rPr lang="de-DE" sz="2400" b="1" dirty="0" err="1">
+                <a:solidFill>
+                  <a:schemeClr val="bg1"/>
+                </a:solidFill>
+              </a:rPr>
+              <a:t>S2</a:t>
+            </a:r>
+            <a:endParaRPr lang="de-DE" sz="2400" b="1" dirty="0">
+              <a:solidFill>
+                <a:schemeClr val="bg1"/>
+              </a:solidFill>
+            </a:endParaRPr>
+          </a:p>
+          <a:p>
+            <a:pPr algn="ctr"/>
+            <a:r>
+              <a:rPr lang="de-DE" dirty="0" err="1">
+                <a:solidFill>
+                  <a:schemeClr val="bg1"/>
+                </a:solidFill>
+              </a:rPr>
+              <a:t>Mean-field</a:t>
+            </a:r>
+            <a:br>
+              <a:rPr lang="de-DE" dirty="0">
+                <a:solidFill>
+                  <a:schemeClr val="bg1"/>
+                </a:solidFill>
+              </a:rPr>
+            </a:br>
+            <a:r>
+              <a:rPr lang="de-DE" dirty="0" err="1">
+                <a:solidFill>
+                  <a:schemeClr val="bg1"/>
+                </a:solidFill>
+              </a:rPr>
+              <a:t>modeling</a:t>
+            </a:r>
+            <a:endParaRPr lang="de-DE" dirty="0">
+              <a:solidFill>
+                <a:schemeClr val="bg1"/>
+              </a:solidFill>
+            </a:endParaRPr>
+          </a:p>
+        </p:txBody>
+      </p:sp>
+      <p:sp>
+        <p:nvSpPr>
+          <p:cNvPr id="5" name="Textfeld 4"/>
+          <p:cNvSpPr txBox="1"/>
+          <p:nvPr/>
+        </p:nvSpPr>
+        <p:spPr>
+          <a:xfrm>
+            <a:off x="2364698" y="1480296"/>
+            <a:ext cx="1944000" cy="972000"/>
+          </a:xfrm>
+          <a:prstGeom prst="rect">
+            <a:avLst/>
+          </a:prstGeom>
+          <a:solidFill>
+            <a:srgbClr val="DC4614"/>
+          </a:solidFill>
+        </p:spPr>
+        <p:txBody>
+          <a:bodyPr wrap="none" bIns="72000" rtlCol="0" anchor="ctr" anchorCtr="1">
+            <a:noAutofit/>
+          </a:bodyPr>
+          <a:lstStyle/>
+          <a:p>
+            <a:pPr algn="ctr"/>
+            <a:r>
+              <a:rPr lang="de-DE" sz="2400" b="1" dirty="0" err="1">
+                <a:solidFill>
+                  <a:schemeClr val="bg1"/>
+                </a:solidFill>
+              </a:rPr>
+              <a:t>D1</a:t>
+            </a:r>
+            <a:endParaRPr lang="de-DE" sz="2400" b="1" dirty="0">
+              <a:solidFill>
+                <a:schemeClr val="bg1"/>
+              </a:solidFill>
+            </a:endParaRPr>
+          </a:p>
+          <a:p>
+            <a:pPr algn="ctr"/>
+            <a:r>
+              <a:rPr lang="en-US" dirty="0">
+                <a:solidFill>
+                  <a:schemeClr val="bg1"/>
+                </a:solidFill>
+              </a:rPr>
+              <a:t>Process simulation</a:t>
+            </a:r>
+            <a:br>
+              <a:rPr lang="en-US" dirty="0">
+                <a:solidFill>
+                  <a:schemeClr val="bg1"/>
+                </a:solidFill>
+              </a:rPr>
+            </a:br>
+            <a:r>
+              <a:rPr lang="en-US" dirty="0">
+                <a:solidFill>
+                  <a:schemeClr val="bg1"/>
+                </a:solidFill>
+              </a:rPr>
+              <a:t>and optimization</a:t>
+            </a:r>
+          </a:p>
+        </p:txBody>
+      </p:sp>
+      <p:sp>
+        <p:nvSpPr>
+          <p:cNvPr id="11" name="Textfeld 10"/>
+          <p:cNvSpPr txBox="1"/>
+          <p:nvPr/>
+        </p:nvSpPr>
+        <p:spPr>
+          <a:xfrm>
+            <a:off x="4378353" y="2574600"/>
+            <a:ext cx="1944000" cy="972000"/>
+          </a:xfrm>
+          <a:prstGeom prst="rect">
+            <a:avLst/>
+          </a:prstGeom>
+          <a:solidFill>
+            <a:srgbClr val="E6AF00"/>
+          </a:solidFill>
+        </p:spPr>
+        <p:txBody>
+          <a:bodyPr wrap="none" bIns="72000" rtlCol="0" anchor="ctr" anchorCtr="1">
+            <a:noAutofit/>
+          </a:bodyPr>
+          <a:lstStyle/>
+          <a:p>
+            <a:pPr algn="ctr"/>
+            <a:r>
+              <a:rPr lang="de-DE" sz="2400" b="1" dirty="0" err="1">
+                <a:solidFill>
+                  <a:schemeClr val="bg1"/>
+                </a:solidFill>
+              </a:rPr>
+              <a:t>C2</a:t>
+            </a:r>
+            <a:endParaRPr lang="de-DE" sz="2400" b="1" dirty="0">
+              <a:solidFill>
+                <a:schemeClr val="bg1"/>
+              </a:solidFill>
+            </a:endParaRPr>
+          </a:p>
+          <a:p>
+            <a:pPr algn="ctr"/>
+            <a:r>
+              <a:rPr lang="de-DE" dirty="0" err="1">
+                <a:solidFill>
+                  <a:schemeClr val="bg1"/>
+                </a:solidFill>
+              </a:rPr>
+              <a:t>Micro</a:t>
+            </a:r>
+            <a:r>
+              <a:rPr lang="de-DE" dirty="0">
+                <a:solidFill>
+                  <a:schemeClr val="bg1"/>
+                </a:solidFill>
+              </a:rPr>
+              <a:t>-</a:t>
+            </a:r>
+          </a:p>
+          <a:p>
+            <a:pPr algn="ctr"/>
+            <a:r>
+              <a:rPr lang="de-DE" dirty="0" err="1">
+                <a:solidFill>
+                  <a:schemeClr val="bg1"/>
+                </a:solidFill>
+              </a:rPr>
+              <a:t>characterization</a:t>
+            </a:r>
+            <a:endParaRPr lang="de-DE" dirty="0">
+              <a:solidFill>
+                <a:schemeClr val="bg1"/>
+              </a:solidFill>
+            </a:endParaRPr>
+          </a:p>
+        </p:txBody>
+      </p:sp>
+      <p:sp>
+        <p:nvSpPr>
+          <p:cNvPr id="12" name="Textfeld 11"/>
+          <p:cNvSpPr txBox="1"/>
+          <p:nvPr/>
+        </p:nvSpPr>
+        <p:spPr>
+          <a:xfrm>
+            <a:off x="4378353" y="3627000"/>
+            <a:ext cx="1944000" cy="972000"/>
+          </a:xfrm>
+          <a:prstGeom prst="rect">
+            <a:avLst/>
+          </a:prstGeom>
+          <a:solidFill>
+            <a:srgbClr val="E6AF00"/>
+          </a:solidFill>
+        </p:spPr>
+        <p:txBody>
+          <a:bodyPr wrap="none" bIns="72000" rtlCol="0" anchor="ctr" anchorCtr="1">
+            <a:noAutofit/>
+          </a:bodyPr>
+          <a:lstStyle/>
+          <a:p>
+            <a:pPr algn="ctr"/>
+            <a:r>
+              <a:rPr lang="de-DE" sz="2400" b="1" dirty="0" err="1">
+                <a:solidFill>
+                  <a:schemeClr val="bg1"/>
+                </a:solidFill>
+              </a:rPr>
+              <a:t>C3</a:t>
+            </a:r>
+            <a:endParaRPr lang="de-DE" sz="2400" b="1" dirty="0">
+              <a:solidFill>
+                <a:schemeClr val="bg1"/>
+              </a:solidFill>
+            </a:endParaRPr>
+          </a:p>
+          <a:p>
+            <a:pPr algn="ctr"/>
+            <a:r>
+              <a:rPr lang="de-DE" dirty="0" err="1">
+                <a:solidFill>
+                  <a:schemeClr val="bg1"/>
+                </a:solidFill>
+              </a:rPr>
+              <a:t>Macro</a:t>
+            </a:r>
+            <a:r>
+              <a:rPr lang="de-DE" dirty="0">
+                <a:solidFill>
+                  <a:schemeClr val="bg1"/>
+                </a:solidFill>
+              </a:rPr>
+              <a:t>-</a:t>
+            </a:r>
+          </a:p>
+          <a:p>
+            <a:pPr algn="ctr"/>
+            <a:r>
+              <a:rPr lang="de-DE" dirty="0" err="1">
+                <a:solidFill>
+                  <a:schemeClr val="bg1"/>
+                </a:solidFill>
+              </a:rPr>
+              <a:t>characterization</a:t>
+            </a:r>
+            <a:endParaRPr lang="de-DE" dirty="0">
+              <a:solidFill>
+                <a:schemeClr val="bg1"/>
+              </a:solidFill>
+            </a:endParaRPr>
+          </a:p>
+        </p:txBody>
+      </p:sp>
+      <p:sp>
+        <p:nvSpPr>
+          <p:cNvPr id="13" name="Textfeld 12"/>
+          <p:cNvSpPr txBox="1"/>
+          <p:nvPr/>
+        </p:nvSpPr>
+        <p:spPr>
+          <a:xfrm>
+            <a:off x="262800" y="3591645"/>
+            <a:ext cx="1944000" cy="972000"/>
+          </a:xfrm>
+          <a:prstGeom prst="rect">
+            <a:avLst/>
+          </a:prstGeom>
+          <a:solidFill>
+            <a:srgbClr val="0078E6"/>
+          </a:solidFill>
+        </p:spPr>
+        <p:txBody>
+          <a:bodyPr wrap="none" bIns="72000" rtlCol="0" anchor="ctr" anchorCtr="1">
+            <a:noAutofit/>
+          </a:bodyPr>
+          <a:lstStyle/>
+          <a:p>
+            <a:pPr algn="ctr"/>
+            <a:r>
+              <a:rPr lang="de-DE" sz="2400" b="1" dirty="0" err="1">
+                <a:solidFill>
+                  <a:schemeClr val="bg1"/>
+                </a:solidFill>
+              </a:rPr>
+              <a:t>S3</a:t>
+            </a:r>
+            <a:endParaRPr lang="de-DE" sz="2400" b="1" dirty="0">
+              <a:solidFill>
+                <a:schemeClr val="bg1"/>
+              </a:solidFill>
+            </a:endParaRPr>
+          </a:p>
+          <a:p>
+            <a:pPr algn="ctr"/>
+            <a:r>
+              <a:rPr lang="de-DE" dirty="0" err="1">
+                <a:solidFill>
+                  <a:schemeClr val="bg1"/>
+                </a:solidFill>
+              </a:rPr>
+              <a:t>Micro-mechanical</a:t>
+            </a:r>
+            <a:br>
+              <a:rPr lang="de-DE" dirty="0">
+                <a:solidFill>
+                  <a:schemeClr val="bg1"/>
+                </a:solidFill>
+              </a:rPr>
+            </a:br>
+            <a:r>
+              <a:rPr lang="de-DE" dirty="0" err="1">
+                <a:solidFill>
+                  <a:schemeClr val="bg1"/>
+                </a:solidFill>
+              </a:rPr>
+              <a:t>modeling</a:t>
+            </a:r>
+            <a:endParaRPr lang="de-DE" dirty="0">
+              <a:solidFill>
+                <a:schemeClr val="bg1"/>
+              </a:solidFill>
+            </a:endParaRPr>
+          </a:p>
+        </p:txBody>
+      </p:sp>
+      <p:sp>
+        <p:nvSpPr>
+          <p:cNvPr id="15" name="Textfeld 14"/>
+          <p:cNvSpPr txBox="1"/>
+          <p:nvPr/>
+        </p:nvSpPr>
+        <p:spPr>
+          <a:xfrm>
+            <a:off x="262800" y="1480296"/>
+            <a:ext cx="1944000" cy="972000"/>
+          </a:xfrm>
+          <a:prstGeom prst="rect">
+            <a:avLst/>
+          </a:prstGeom>
+          <a:solidFill>
+            <a:srgbClr val="0078E6"/>
+          </a:solidFill>
+        </p:spPr>
+        <p:txBody>
+          <a:bodyPr wrap="none" bIns="72000" rtlCol="0" anchor="ctr" anchorCtr="1">
+            <a:noAutofit/>
+          </a:bodyPr>
+          <a:lstStyle/>
+          <a:p>
+            <a:pPr algn="ctr"/>
+            <a:r>
+              <a:rPr lang="de-DE" sz="2400" b="1" dirty="0" err="1">
+                <a:solidFill>
+                  <a:schemeClr val="bg1"/>
+                </a:solidFill>
+              </a:rPr>
+              <a:t>S1</a:t>
+            </a:r>
+            <a:endParaRPr lang="de-DE" sz="2400" b="1" dirty="0">
+              <a:solidFill>
+                <a:schemeClr val="bg1"/>
+              </a:solidFill>
+            </a:endParaRPr>
+          </a:p>
+          <a:p>
+            <a:pPr algn="ctr"/>
+            <a:r>
+              <a:rPr lang="de-DE" dirty="0" err="1">
+                <a:solidFill>
+                  <a:schemeClr val="bg1"/>
+                </a:solidFill>
+              </a:rPr>
+              <a:t>Damage</a:t>
+            </a:r>
+            <a:r>
+              <a:rPr lang="de-DE" dirty="0">
+                <a:solidFill>
+                  <a:schemeClr val="bg1"/>
+                </a:solidFill>
+              </a:rPr>
+              <a:t> </a:t>
+            </a:r>
+            <a:r>
+              <a:rPr lang="de-DE" dirty="0" err="1">
+                <a:solidFill>
+                  <a:schemeClr val="bg1"/>
+                </a:solidFill>
+              </a:rPr>
+              <a:t>and</a:t>
+            </a:r>
+            <a:endParaRPr lang="de-DE" dirty="0">
+              <a:solidFill>
+                <a:schemeClr val="bg1"/>
+              </a:solidFill>
+            </a:endParaRPr>
+          </a:p>
+          <a:p>
+            <a:pPr algn="ctr"/>
+            <a:r>
+              <a:rPr lang="de-DE" dirty="0" err="1">
+                <a:solidFill>
+                  <a:schemeClr val="bg1"/>
+                </a:solidFill>
+              </a:rPr>
+              <a:t>fracture</a:t>
+            </a:r>
+            <a:r>
+              <a:rPr lang="de-DE" dirty="0">
+                <a:solidFill>
+                  <a:schemeClr val="bg1"/>
+                </a:solidFill>
+              </a:rPr>
+              <a:t> </a:t>
+            </a:r>
+            <a:r>
+              <a:rPr lang="de-DE" dirty="0" err="1">
+                <a:solidFill>
+                  <a:schemeClr val="bg1"/>
+                </a:solidFill>
+              </a:rPr>
+              <a:t>mechanics</a:t>
+            </a:r>
+            <a:endParaRPr lang="de-DE" dirty="0">
+              <a:solidFill>
+                <a:schemeClr val="bg1"/>
+              </a:solidFill>
+            </a:endParaRPr>
+          </a:p>
+        </p:txBody>
+      </p:sp>
+      <p:sp>
+        <p:nvSpPr>
+          <p:cNvPr id="26" name="Textfeld 25"/>
+          <p:cNvSpPr txBox="1"/>
+          <p:nvPr/>
+        </p:nvSpPr>
+        <p:spPr>
+          <a:xfrm>
+            <a:off x="6506634" y="4681566"/>
+            <a:ext cx="1944000" cy="972000"/>
+          </a:xfrm>
+          <a:prstGeom prst="rect">
+            <a:avLst/>
+          </a:prstGeom>
+          <a:solidFill>
+            <a:srgbClr val="00AFA0"/>
+          </a:solidFill>
+        </p:spPr>
+        <p:txBody>
+          <a:bodyPr wrap="none" bIns="72000" rtlCol="0" anchor="ctr" anchorCtr="1">
+            <a:noAutofit/>
+          </a:bodyPr>
+          <a:lstStyle/>
+          <a:p>
+            <a:pPr algn="ctr"/>
+            <a:r>
+              <a:rPr lang="de-DE" sz="2400" b="1" dirty="0" err="1">
+                <a:solidFill>
+                  <a:schemeClr val="bg1"/>
+                </a:solidFill>
+              </a:rPr>
+              <a:t>T4</a:t>
+            </a:r>
+            <a:endParaRPr lang="de-DE" sz="2400" b="1" dirty="0">
+              <a:solidFill>
+                <a:schemeClr val="bg1"/>
+              </a:solidFill>
+            </a:endParaRPr>
+          </a:p>
+          <a:p>
+            <a:pPr algn="ctr"/>
+            <a:r>
+              <a:rPr lang="de-DE" dirty="0">
+                <a:solidFill>
+                  <a:schemeClr val="bg1"/>
+                </a:solidFill>
+              </a:rPr>
+              <a:t>Post-</a:t>
+            </a:r>
+            <a:br>
+              <a:rPr lang="de-DE" dirty="0">
+                <a:solidFill>
+                  <a:schemeClr val="bg1"/>
+                </a:solidFill>
+              </a:rPr>
+            </a:br>
+            <a:r>
+              <a:rPr lang="de-DE" dirty="0" err="1">
+                <a:solidFill>
+                  <a:schemeClr val="bg1"/>
+                </a:solidFill>
+              </a:rPr>
+              <a:t>processing</a:t>
+            </a:r>
+            <a:endParaRPr lang="de-DE" dirty="0">
+              <a:solidFill>
+                <a:schemeClr val="bg1"/>
+              </a:solidFill>
+            </a:endParaRPr>
+          </a:p>
+        </p:txBody>
+      </p:sp>
+      <p:sp>
+        <p:nvSpPr>
+          <p:cNvPr id="39" name="Textfeld 38"/>
+          <p:cNvSpPr txBox="1"/>
+          <p:nvPr/>
+        </p:nvSpPr>
+        <p:spPr>
+          <a:xfrm>
+            <a:off x="2364698" y="2574600"/>
+            <a:ext cx="1944000" cy="972000"/>
+          </a:xfrm>
+          <a:prstGeom prst="rect">
+            <a:avLst/>
+          </a:prstGeom>
+          <a:solidFill>
+            <a:srgbClr val="DC4614"/>
+          </a:solidFill>
+        </p:spPr>
+        <p:txBody>
+          <a:bodyPr wrap="none" bIns="72000" rtlCol="0" anchor="ctr" anchorCtr="1">
+            <a:noAutofit/>
+          </a:bodyPr>
+          <a:lstStyle/>
+          <a:p>
+            <a:pPr algn="ctr"/>
+            <a:r>
+              <a:rPr lang="de-DE" sz="2400" b="1" dirty="0">
+                <a:solidFill>
+                  <a:schemeClr val="bg1"/>
+                </a:solidFill>
+              </a:rPr>
+              <a:t>D2</a:t>
+            </a:r>
+          </a:p>
+          <a:p>
+            <a:pPr algn="ctr"/>
+            <a:r>
+              <a:rPr lang="en-US" dirty="0">
+                <a:solidFill>
+                  <a:schemeClr val="bg1"/>
+                </a:solidFill>
+              </a:rPr>
+              <a:t>Topology and </a:t>
+            </a:r>
+            <a:br>
+              <a:rPr lang="en-US" dirty="0">
+                <a:solidFill>
+                  <a:schemeClr val="bg1"/>
+                </a:solidFill>
+              </a:rPr>
+            </a:br>
+            <a:r>
+              <a:rPr lang="en-US" dirty="0">
+                <a:solidFill>
+                  <a:schemeClr val="bg1"/>
+                </a:solidFill>
+              </a:rPr>
+              <a:t>shape optimization</a:t>
+            </a:r>
+            <a:endParaRPr lang="de-DE" dirty="0">
+              <a:solidFill>
+                <a:schemeClr val="bg1"/>
+              </a:solidFill>
+            </a:endParaRPr>
+          </a:p>
+        </p:txBody>
+      </p:sp>
+      <p:sp>
+        <p:nvSpPr>
+          <p:cNvPr id="44" name="Textfeld 43"/>
+          <p:cNvSpPr txBox="1"/>
+          <p:nvPr/>
+        </p:nvSpPr>
+        <p:spPr>
+          <a:xfrm>
+            <a:off x="2364698" y="3627000"/>
+            <a:ext cx="1944000" cy="972000"/>
+          </a:xfrm>
+          <a:prstGeom prst="rect">
+            <a:avLst/>
+          </a:prstGeom>
+          <a:solidFill>
+            <a:srgbClr val="DC4614"/>
+          </a:solidFill>
+        </p:spPr>
+        <p:txBody>
+          <a:bodyPr wrap="none" bIns="72000" rtlCol="0" anchor="ctr" anchorCtr="1">
+            <a:noAutofit/>
+          </a:bodyPr>
+          <a:lstStyle/>
+          <a:p>
+            <a:pPr algn="ctr"/>
+            <a:r>
+              <a:rPr lang="de-DE" sz="2400" b="1" dirty="0" err="1">
+                <a:solidFill>
+                  <a:schemeClr val="bg1"/>
+                </a:solidFill>
+              </a:rPr>
+              <a:t>D3</a:t>
+            </a:r>
+            <a:endParaRPr lang="de-DE" sz="2400" b="1" dirty="0">
+              <a:solidFill>
+                <a:schemeClr val="bg1"/>
+              </a:solidFill>
+            </a:endParaRPr>
+          </a:p>
+          <a:p>
+            <a:pPr algn="ctr"/>
+            <a:r>
+              <a:rPr lang="en-US" dirty="0">
+                <a:solidFill>
+                  <a:schemeClr val="bg1"/>
+                </a:solidFill>
+              </a:rPr>
+              <a:t>Design guidelines</a:t>
+            </a:r>
+            <a:br>
+              <a:rPr lang="en-US" dirty="0">
+                <a:solidFill>
+                  <a:schemeClr val="bg1"/>
+                </a:solidFill>
+              </a:rPr>
+            </a:br>
+            <a:r>
+              <a:rPr lang="en-US" dirty="0">
+                <a:solidFill>
+                  <a:schemeClr val="bg1"/>
+                </a:solidFill>
+              </a:rPr>
+              <a:t>Engineering process</a:t>
+            </a:r>
+            <a:endParaRPr lang="de-DE" dirty="0">
+              <a:solidFill>
+                <a:schemeClr val="bg1"/>
+              </a:solidFill>
+            </a:endParaRPr>
+          </a:p>
+        </p:txBody>
+      </p:sp>
+      <p:sp>
+        <p:nvSpPr>
+          <p:cNvPr id="45" name="Textfeld 44"/>
+          <p:cNvSpPr txBox="1"/>
+          <p:nvPr/>
+        </p:nvSpPr>
+        <p:spPr>
+          <a:xfrm>
+            <a:off x="6506634" y="3627000"/>
+            <a:ext cx="1944000" cy="972000"/>
+          </a:xfrm>
+          <a:prstGeom prst="rect">
+            <a:avLst/>
+          </a:prstGeom>
+          <a:solidFill>
+            <a:srgbClr val="00AFA0"/>
+          </a:solidFill>
+        </p:spPr>
+        <p:txBody>
+          <a:bodyPr wrap="none" bIns="72000" rtlCol="0" anchor="ctr" anchorCtr="1">
+            <a:noAutofit/>
+          </a:bodyPr>
+          <a:lstStyle/>
+          <a:p>
+            <a:pPr algn="ctr"/>
+            <a:r>
+              <a:rPr lang="de-DE" sz="2400" b="1" dirty="0" err="1">
+                <a:solidFill>
+                  <a:schemeClr val="bg1"/>
+                </a:solidFill>
+              </a:rPr>
+              <a:t>T3</a:t>
+            </a:r>
+            <a:endParaRPr lang="de-DE" sz="2400" b="1" dirty="0">
+              <a:solidFill>
+                <a:schemeClr val="bg1"/>
+              </a:solidFill>
+            </a:endParaRPr>
+          </a:p>
+          <a:p>
+            <a:pPr algn="ctr"/>
+            <a:r>
+              <a:rPr lang="de-DE" dirty="0">
+                <a:solidFill>
+                  <a:schemeClr val="bg1"/>
+                </a:solidFill>
+              </a:rPr>
+              <a:t>Quality</a:t>
+            </a:r>
+            <a:br>
+              <a:rPr lang="de-DE" dirty="0">
+                <a:solidFill>
+                  <a:schemeClr val="bg1"/>
+                </a:solidFill>
+              </a:rPr>
+            </a:br>
+            <a:r>
+              <a:rPr lang="de-DE" dirty="0" err="1">
+                <a:solidFill>
+                  <a:schemeClr val="bg1"/>
+                </a:solidFill>
+              </a:rPr>
+              <a:t>assurance</a:t>
+            </a:r>
+            <a:endParaRPr lang="de-DE" dirty="0">
+              <a:solidFill>
+                <a:schemeClr val="bg1"/>
+              </a:solidFill>
+            </a:endParaRPr>
+          </a:p>
+        </p:txBody>
+      </p:sp>
+      <p:sp>
+        <p:nvSpPr>
+          <p:cNvPr id="46" name="Textfeld 45"/>
+          <p:cNvSpPr txBox="1"/>
+          <p:nvPr/>
+        </p:nvSpPr>
+        <p:spPr>
+          <a:xfrm>
+            <a:off x="6506634" y="2574600"/>
+            <a:ext cx="1944000" cy="972000"/>
+          </a:xfrm>
+          <a:prstGeom prst="rect">
+            <a:avLst/>
+          </a:prstGeom>
+          <a:solidFill>
+            <a:srgbClr val="00AFA0"/>
+          </a:solidFill>
+        </p:spPr>
+        <p:txBody>
+          <a:bodyPr wrap="none" bIns="72000" rtlCol="0" anchor="ctr" anchorCtr="1">
+            <a:noAutofit/>
+          </a:bodyPr>
+          <a:lstStyle/>
+          <a:p>
+            <a:pPr algn="ctr"/>
+            <a:r>
+              <a:rPr lang="de-DE" sz="2400" b="1" dirty="0" err="1">
+                <a:solidFill>
+                  <a:schemeClr val="bg1"/>
+                </a:solidFill>
+              </a:rPr>
+              <a:t>T2</a:t>
+            </a:r>
+            <a:endParaRPr lang="de-DE" sz="2400" b="1" dirty="0">
+              <a:solidFill>
+                <a:schemeClr val="bg1"/>
+              </a:solidFill>
+            </a:endParaRPr>
+          </a:p>
+          <a:p>
+            <a:pPr algn="ctr"/>
+            <a:r>
+              <a:rPr lang="de-DE" dirty="0">
+                <a:solidFill>
+                  <a:schemeClr val="bg1"/>
+                </a:solidFill>
+              </a:rPr>
+              <a:t>Handling </a:t>
+            </a:r>
+            <a:r>
+              <a:rPr lang="de-DE" dirty="0" err="1">
+                <a:solidFill>
+                  <a:schemeClr val="bg1"/>
+                </a:solidFill>
+              </a:rPr>
+              <a:t>and</a:t>
+            </a:r>
+            <a:br>
+              <a:rPr lang="de-DE" dirty="0">
+                <a:solidFill>
+                  <a:schemeClr val="bg1"/>
+                </a:solidFill>
+              </a:rPr>
+            </a:br>
+            <a:r>
+              <a:rPr lang="de-DE" dirty="0" err="1">
+                <a:solidFill>
+                  <a:schemeClr val="bg1"/>
+                </a:solidFill>
+              </a:rPr>
+              <a:t>preforming</a:t>
+            </a:r>
+            <a:endParaRPr lang="de-DE" dirty="0">
+              <a:solidFill>
+                <a:schemeClr val="bg1"/>
+              </a:solidFill>
+            </a:endParaRPr>
+          </a:p>
+        </p:txBody>
+      </p:sp>
+      <p:sp>
+        <p:nvSpPr>
+          <p:cNvPr id="47" name="Textfeld 46"/>
+          <p:cNvSpPr txBox="1"/>
+          <p:nvPr/>
+        </p:nvSpPr>
+        <p:spPr>
+          <a:xfrm>
+            <a:off x="6506634" y="1480296"/>
+            <a:ext cx="1944000" cy="972000"/>
+          </a:xfrm>
+          <a:prstGeom prst="rect">
+            <a:avLst/>
+          </a:prstGeom>
+          <a:solidFill>
+            <a:srgbClr val="00AFA0"/>
+          </a:solidFill>
+        </p:spPr>
+        <p:txBody>
+          <a:bodyPr wrap="none" bIns="72000" rtlCol="0" anchor="ctr" anchorCtr="1">
+            <a:noAutofit/>
+          </a:bodyPr>
+          <a:lstStyle/>
+          <a:p>
+            <a:pPr algn="ctr"/>
+            <a:r>
+              <a:rPr lang="de-DE" sz="2400" b="1" dirty="0" err="1">
+                <a:solidFill>
+                  <a:schemeClr val="bg1"/>
+                </a:solidFill>
+              </a:rPr>
+              <a:t>T1</a:t>
+            </a:r>
+            <a:endParaRPr lang="de-DE" sz="2400" b="1" dirty="0">
+              <a:solidFill>
+                <a:schemeClr val="bg1"/>
+              </a:solidFill>
+            </a:endParaRPr>
+          </a:p>
+          <a:p>
+            <a:pPr algn="ctr"/>
+            <a:r>
+              <a:rPr lang="de-DE" dirty="0">
+                <a:solidFill>
+                  <a:schemeClr val="bg1"/>
+                </a:solidFill>
+              </a:rPr>
+              <a:t>Polymer</a:t>
+            </a:r>
+          </a:p>
+          <a:p>
+            <a:pPr algn="ctr"/>
+            <a:r>
+              <a:rPr lang="de-DE" dirty="0" err="1">
+                <a:solidFill>
+                  <a:schemeClr val="bg1"/>
+                </a:solidFill>
+              </a:rPr>
+              <a:t>processing</a:t>
+            </a:r>
+            <a:endParaRPr lang="de-DE" dirty="0">
+              <a:solidFill>
+                <a:schemeClr val="bg1"/>
+              </a:solidFill>
+            </a:endParaRPr>
+          </a:p>
+        </p:txBody>
+      </p:sp>
+      <p:sp>
+        <p:nvSpPr>
+          <p:cNvPr id="23" name="Textfeld 22"/>
+          <p:cNvSpPr txBox="1"/>
+          <p:nvPr/>
+        </p:nvSpPr>
+        <p:spPr>
+          <a:xfrm>
+            <a:off x="262800" y="4681566"/>
+            <a:ext cx="1944000" cy="972000"/>
+          </a:xfrm>
+          <a:prstGeom prst="rect">
+            <a:avLst/>
+          </a:prstGeom>
+          <a:solidFill>
+            <a:srgbClr val="0078E6"/>
+          </a:solidFill>
+        </p:spPr>
+        <p:txBody>
+          <a:bodyPr wrap="none" bIns="72000" rtlCol="0" anchor="ctr" anchorCtr="1">
+            <a:noAutofit/>
+          </a:bodyPr>
+          <a:lstStyle/>
+          <a:p>
+            <a:pPr algn="ctr"/>
+            <a:r>
+              <a:rPr lang="de-DE" sz="2400" b="1" dirty="0" err="1">
+                <a:solidFill>
+                  <a:schemeClr val="bg1"/>
+                </a:solidFill>
+              </a:rPr>
+              <a:t>S4</a:t>
+            </a:r>
+            <a:endParaRPr lang="de-DE" sz="2400" b="1" dirty="0">
+              <a:solidFill>
+                <a:schemeClr val="bg1"/>
+              </a:solidFill>
+            </a:endParaRPr>
+          </a:p>
+          <a:p>
+            <a:pPr algn="ctr"/>
+            <a:r>
+              <a:rPr lang="de-DE" dirty="0">
+                <a:solidFill>
+                  <a:schemeClr val="bg1"/>
+                </a:solidFill>
+              </a:rPr>
+              <a:t>Phase-</a:t>
+            </a:r>
+            <a:r>
+              <a:rPr lang="de-DE" dirty="0" err="1">
+                <a:solidFill>
+                  <a:schemeClr val="bg1"/>
+                </a:solidFill>
+              </a:rPr>
+              <a:t>field</a:t>
+            </a:r>
+            <a:br>
+              <a:rPr lang="de-DE" dirty="0">
+                <a:solidFill>
+                  <a:schemeClr val="bg1"/>
+                </a:solidFill>
+              </a:rPr>
+            </a:br>
+            <a:r>
+              <a:rPr lang="de-DE" dirty="0" err="1">
+                <a:solidFill>
+                  <a:schemeClr val="bg1"/>
+                </a:solidFill>
+              </a:rPr>
+              <a:t>modeling</a:t>
+            </a:r>
+            <a:endParaRPr lang="de-DE" dirty="0">
+              <a:solidFill>
+                <a:schemeClr val="bg1"/>
+              </a:solidFill>
+            </a:endParaRPr>
+          </a:p>
+        </p:txBody>
+      </p:sp>
+      <p:sp>
+        <p:nvSpPr>
+          <p:cNvPr id="16" name="Titel 1"/>
+          <p:cNvSpPr txBox="1">
+            <a:spLocks/>
+          </p:cNvSpPr>
+          <p:nvPr/>
+        </p:nvSpPr>
+        <p:spPr>
+          <a:xfrm>
+            <a:off x="685800" y="159488"/>
+            <a:ext cx="7772400" cy="627321"/>
+          </a:xfrm>
+          <a:prstGeom prst="rect">
+            <a:avLst/>
+          </a:prstGeom>
+        </p:spPr>
+        <p:txBody>
+          <a:bodyPr vert="horz" lIns="91440" tIns="45720" rIns="91440" bIns="45720" rtlCol="0" anchor="ctr">
+            <a:normAutofit/>
+          </a:bodyPr>
+          <a:lstStyle/>
+          <a:p>
+            <a:pPr lvl="0" algn="ctr">
+              <a:spcBef>
+                <a:spcPct val="0"/>
+              </a:spcBef>
+            </a:pPr>
+            <a:r>
+              <a:rPr lang="en-US" sz="2800" dirty="0"/>
+              <a:t>Large project blocks ( your project in the center)</a:t>
+            </a:r>
+            <a:endParaRPr kumimoji="0" lang="en-US" sz="2800" b="1" i="0" u="none" strike="noStrike" kern="1200" cap="none" spc="0" normalizeH="0" baseline="0" noProof="0" dirty="0">
+              <a:ln>
+                <a:noFill/>
+              </a:ln>
+              <a:solidFill>
+                <a:schemeClr val="tx1"/>
+              </a:solidFill>
+              <a:effectLst/>
+              <a:uLnTx/>
+              <a:uFillTx/>
+              <a:latin typeface="+mj-lt"/>
+              <a:ea typeface="+mj-ea"/>
+              <a:cs typeface="+mj-cs"/>
+            </a:endParaRPr>
+          </a:p>
+        </p:txBody>
+      </p:sp>
+    </p:spTree>
+  </p:cSld>
+  <p:clrMapOvr>
+    <a:masterClrMapping/>
+  </p:clrMapOvr>
+</p:sld>
+</file>
+
+<file path=ppt/slides/slide7.xml><?xml version="1.0" encoding="utf-8"?>
 <p:sld xmlns:a="http://schemas.openxmlformats.org/drawingml/2006/main" xmlns:r="http://schemas.openxmlformats.org/officeDocument/2006/relationships" xmlns:p="http://schemas.openxmlformats.org/presentationml/2006/main">
   <p:cSld>
     <p:spTree>
@@ -8596,7 +8659,7 @@
 </p:sld>
 </file>
 
-<file path=ppt/slides/slide7.xml><?xml version="1.0" encoding="utf-8"?>
+<file path=ppt/slides/slide8.xml><?xml version="1.0" encoding="utf-8"?>
 <p:sld xmlns:a="http://schemas.openxmlformats.org/drawingml/2006/main" xmlns:r="http://schemas.openxmlformats.org/officeDocument/2006/relationships" xmlns:p="http://schemas.openxmlformats.org/presentationml/2006/main">
   <p:cSld>
     <p:spTree>

--- a/graph.pptx
+++ b/graph.pptx
@@ -233,7 +233,7 @@
             <a:fld id="{E3A52414-35A0-42DF-BB16-BC48DD02CE33}" type="datetimeFigureOut">
               <a:rPr lang="en-US" smtClean="0"/>
               <a:pPr/>
-              <a:t>12/16/2018</a:t>
+              <a:t>12/17/2018</a:t>
             </a:fld>
             <a:endParaRPr lang="en-US"/>
           </a:p>
@@ -400,7 +400,7 @@
             <a:fld id="{B6B2D00D-774E-4257-B249-00B5460D641A}" type="datetimeFigureOut">
               <a:rPr lang="de-DE" smtClean="0"/>
               <a:pPr/>
-              <a:t>16.12.2018</a:t>
+              <a:t>17.12.2018</a:t>
             </a:fld>
             <a:endParaRPr lang="de-DE"/>
           </a:p>
@@ -850,7 +850,7 @@
             <a:fld id="{28723C7C-1933-4B7D-A8D3-78EE0323587D}" type="datetimeFigureOut">
               <a:rPr lang="de-DE" smtClean="0"/>
               <a:pPr/>
-              <a:t>16.12.2018</a:t>
+              <a:t>17.12.2018</a:t>
             </a:fld>
             <a:endParaRPr lang="de-DE"/>
           </a:p>
@@ -1015,7 +1015,7 @@
             <a:fld id="{28723C7C-1933-4B7D-A8D3-78EE0323587D}" type="datetimeFigureOut">
               <a:rPr lang="de-DE" smtClean="0"/>
               <a:pPr/>
-              <a:t>16.12.2018</a:t>
+              <a:t>17.12.2018</a:t>
             </a:fld>
             <a:endParaRPr lang="de-DE"/>
           </a:p>
@@ -1190,7 +1190,7 @@
             <a:fld id="{28723C7C-1933-4B7D-A8D3-78EE0323587D}" type="datetimeFigureOut">
               <a:rPr lang="de-DE" smtClean="0"/>
               <a:pPr/>
-              <a:t>16.12.2018</a:t>
+              <a:t>17.12.2018</a:t>
             </a:fld>
             <a:endParaRPr lang="de-DE"/>
           </a:p>
@@ -1355,7 +1355,7 @@
             <a:fld id="{28723C7C-1933-4B7D-A8D3-78EE0323587D}" type="datetimeFigureOut">
               <a:rPr lang="de-DE" smtClean="0"/>
               <a:pPr/>
-              <a:t>16.12.2018</a:t>
+              <a:t>17.12.2018</a:t>
             </a:fld>
             <a:endParaRPr lang="de-DE"/>
           </a:p>
@@ -1597,7 +1597,7 @@
             <a:fld id="{28723C7C-1933-4B7D-A8D3-78EE0323587D}" type="datetimeFigureOut">
               <a:rPr lang="de-DE" smtClean="0"/>
               <a:pPr/>
-              <a:t>16.12.2018</a:t>
+              <a:t>17.12.2018</a:t>
             </a:fld>
             <a:endParaRPr lang="de-DE"/>
           </a:p>
@@ -1879,7 +1879,7 @@
             <a:fld id="{28723C7C-1933-4B7D-A8D3-78EE0323587D}" type="datetimeFigureOut">
               <a:rPr lang="de-DE" smtClean="0"/>
               <a:pPr/>
-              <a:t>16.12.2018</a:t>
+              <a:t>17.12.2018</a:t>
             </a:fld>
             <a:endParaRPr lang="de-DE"/>
           </a:p>
@@ -2295,7 +2295,7 @@
             <a:fld id="{28723C7C-1933-4B7D-A8D3-78EE0323587D}" type="datetimeFigureOut">
               <a:rPr lang="de-DE" smtClean="0"/>
               <a:pPr/>
-              <a:t>16.12.2018</a:t>
+              <a:t>17.12.2018</a:t>
             </a:fld>
             <a:endParaRPr lang="de-DE"/>
           </a:p>
@@ -2409,7 +2409,7 @@
             <a:fld id="{28723C7C-1933-4B7D-A8D3-78EE0323587D}" type="datetimeFigureOut">
               <a:rPr lang="de-DE" smtClean="0"/>
               <a:pPr/>
-              <a:t>16.12.2018</a:t>
+              <a:t>17.12.2018</a:t>
             </a:fld>
             <a:endParaRPr lang="de-DE"/>
           </a:p>
@@ -2501,7 +2501,7 @@
             <a:fld id="{28723C7C-1933-4B7D-A8D3-78EE0323587D}" type="datetimeFigureOut">
               <a:rPr lang="de-DE" smtClean="0"/>
               <a:pPr/>
-              <a:t>16.12.2018</a:t>
+              <a:t>17.12.2018</a:t>
             </a:fld>
             <a:endParaRPr lang="de-DE"/>
           </a:p>
@@ -2773,7 +2773,7 @@
             <a:fld id="{28723C7C-1933-4B7D-A8D3-78EE0323587D}" type="datetimeFigureOut">
               <a:rPr lang="de-DE" smtClean="0"/>
               <a:pPr/>
-              <a:t>16.12.2018</a:t>
+              <a:t>17.12.2018</a:t>
             </a:fld>
             <a:endParaRPr lang="de-DE"/>
           </a:p>
@@ -3022,7 +3022,7 @@
             <a:fld id="{28723C7C-1933-4B7D-A8D3-78EE0323587D}" type="datetimeFigureOut">
               <a:rPr lang="de-DE" smtClean="0"/>
               <a:pPr/>
-              <a:t>16.12.2018</a:t>
+              <a:t>17.12.2018</a:t>
             </a:fld>
             <a:endParaRPr lang="de-DE"/>
           </a:p>
@@ -3230,7 +3230,7 @@
             <a:fld id="{28723C7C-1933-4B7D-A8D3-78EE0323587D}" type="datetimeFigureOut">
               <a:rPr lang="de-DE" smtClean="0"/>
               <a:pPr/>
-              <a:t>16.12.2018</a:t>
+              <a:t>17.12.2018</a:t>
             </a:fld>
             <a:endParaRPr lang="de-DE"/>
           </a:p>
@@ -3633,6 +3633,244 @@
           </a:p>
         </p:txBody>
       </p:sp>
+      <p:sp>
+        <p:nvSpPr>
+          <p:cNvPr id="3" name="TextBox 2">
+            <a:extLst>
+              <a:ext uri="{FF2B5EF4-FFF2-40B4-BE49-F238E27FC236}">
+                <a16:creationId xmlns:a16="http://schemas.microsoft.com/office/drawing/2014/main" id="{80754B1A-CC8E-407E-93A2-3D2381B438E4}"/>
+              </a:ext>
+            </a:extLst>
+          </p:cNvPr>
+          <p:cNvSpPr txBox="1"/>
+          <p:nvPr/>
+        </p:nvSpPr>
+        <p:spPr>
+          <a:xfrm>
+            <a:off x="4212527" y="3249406"/>
+            <a:ext cx="720090" cy="369332"/>
+          </a:xfrm>
+          <a:prstGeom prst="rect">
+            <a:avLst/>
+          </a:prstGeom>
+          <a:noFill/>
+        </p:spPr>
+        <p:txBody>
+          <a:bodyPr vert="horz" rtlCol="0">
+            <a:spAutoFit/>
+          </a:bodyPr>
+          <a:lstStyle/>
+          <a:p>
+            <a:pPr algn="ctr"/>
+            <a:r>
+              <a:rPr lang="en-US"/>
+              <a:t>S1</a:t>
+            </a:r>
+          </a:p>
+        </p:txBody>
+      </p:sp>
+      <p:sp>
+        <p:nvSpPr>
+          <p:cNvPr id="4" name="TextBox 3">
+            <a:extLst>
+              <a:ext uri="{FF2B5EF4-FFF2-40B4-BE49-F238E27FC236}">
+                <a16:creationId xmlns:a16="http://schemas.microsoft.com/office/drawing/2014/main" id="{A0E9716F-09BD-446F-9203-3363A10D16B7}"/>
+              </a:ext>
+            </a:extLst>
+          </p:cNvPr>
+          <p:cNvSpPr txBox="1"/>
+          <p:nvPr/>
+        </p:nvSpPr>
+        <p:spPr>
+          <a:xfrm>
+            <a:off x="4932616" y="3249406"/>
+            <a:ext cx="720090" cy="369332"/>
+          </a:xfrm>
+          <a:prstGeom prst="rect">
+            <a:avLst/>
+          </a:prstGeom>
+          <a:noFill/>
+        </p:spPr>
+        <p:txBody>
+          <a:bodyPr vert="horz" rtlCol="0">
+            <a:spAutoFit/>
+          </a:bodyPr>
+          <a:lstStyle/>
+          <a:p>
+            <a:pPr algn="ctr"/>
+            <a:r>
+              <a:rPr lang="en-US"/>
+              <a:t>S2</a:t>
+            </a:r>
+          </a:p>
+        </p:txBody>
+      </p:sp>
+      <p:sp>
+        <p:nvSpPr>
+          <p:cNvPr id="5" name="TextBox 4">
+            <a:extLst>
+              <a:ext uri="{FF2B5EF4-FFF2-40B4-BE49-F238E27FC236}">
+                <a16:creationId xmlns:a16="http://schemas.microsoft.com/office/drawing/2014/main" id="{B16DC481-5EB2-4624-9D76-AD021A55B541}"/>
+              </a:ext>
+            </a:extLst>
+          </p:cNvPr>
+          <p:cNvSpPr txBox="1"/>
+          <p:nvPr/>
+        </p:nvSpPr>
+        <p:spPr>
+          <a:xfrm>
+            <a:off x="3492436" y="3249406"/>
+            <a:ext cx="720090" cy="369332"/>
+          </a:xfrm>
+          <a:prstGeom prst="rect">
+            <a:avLst/>
+          </a:prstGeom>
+          <a:noFill/>
+        </p:spPr>
+        <p:txBody>
+          <a:bodyPr vert="horz" rtlCol="0">
+            <a:spAutoFit/>
+          </a:bodyPr>
+          <a:lstStyle/>
+          <a:p>
+            <a:pPr algn="ctr"/>
+            <a:r>
+              <a:rPr lang="en-US"/>
+              <a:t>S3</a:t>
+            </a:r>
+          </a:p>
+        </p:txBody>
+      </p:sp>
+      <p:cxnSp>
+        <p:nvCxnSpPr>
+          <p:cNvPr id="6" name="Straight Connector 5">
+            <a:extLst>
+              <a:ext uri="{FF2B5EF4-FFF2-40B4-BE49-F238E27FC236}">
+                <a16:creationId xmlns:a16="http://schemas.microsoft.com/office/drawing/2014/main" id="{B93A02D2-593C-4DD8-BD1E-8860C975DC7E}"/>
+              </a:ext>
+            </a:extLst>
+          </p:cNvPr>
+          <p:cNvCxnSpPr/>
+          <p:nvPr/>
+        </p:nvCxnSpPr>
+        <p:spPr>
+          <a:xfrm>
+            <a:off x="4572572" y="3429429"/>
+            <a:ext cx="720089" cy="0"/>
+          </a:xfrm>
+          <a:prstGeom prst="line">
+            <a:avLst/>
+          </a:prstGeom>
+          <a:ln w="19050">
+            <a:solidFill>
+              <a:srgbClr val="000000"/>
+            </a:solidFill>
+            <a:tailEnd type="triangle" w="med" len="lg"/>
+          </a:ln>
+        </p:spPr>
+        <p:style>
+          <a:lnRef idx="1">
+            <a:schemeClr val="accent1"/>
+          </a:lnRef>
+          <a:fillRef idx="0">
+            <a:schemeClr val="accent1"/>
+          </a:fillRef>
+          <a:effectRef idx="0">
+            <a:schemeClr val="accent1"/>
+          </a:effectRef>
+          <a:fontRef idx="minor">
+            <a:schemeClr val="tx1"/>
+          </a:fontRef>
+        </p:style>
+      </p:cxnSp>
+      <p:cxnSp>
+        <p:nvCxnSpPr>
+          <p:cNvPr id="7" name="Straight Connector 6">
+            <a:extLst>
+              <a:ext uri="{FF2B5EF4-FFF2-40B4-BE49-F238E27FC236}">
+                <a16:creationId xmlns:a16="http://schemas.microsoft.com/office/drawing/2014/main" id="{979A8641-0CDC-4070-8C70-40B634E9BD93}"/>
+              </a:ext>
+            </a:extLst>
+          </p:cNvPr>
+          <p:cNvCxnSpPr/>
+          <p:nvPr/>
+        </p:nvCxnSpPr>
+        <p:spPr>
+          <a:xfrm flipH="1">
+            <a:off x="3852482" y="3429429"/>
+            <a:ext cx="720090" cy="0"/>
+          </a:xfrm>
+          <a:prstGeom prst="line">
+            <a:avLst/>
+          </a:prstGeom>
+          <a:ln w="19050">
+            <a:solidFill>
+              <a:srgbClr val="000000"/>
+            </a:solidFill>
+            <a:tailEnd type="triangle" w="med" len="lg"/>
+          </a:ln>
+        </p:spPr>
+        <p:style>
+          <a:lnRef idx="1">
+            <a:schemeClr val="accent1"/>
+          </a:lnRef>
+          <a:fillRef idx="0">
+            <a:schemeClr val="accent1"/>
+          </a:fillRef>
+          <a:effectRef idx="0">
+            <a:schemeClr val="accent1"/>
+          </a:effectRef>
+          <a:fontRef idx="minor">
+            <a:schemeClr val="tx1"/>
+          </a:fontRef>
+        </p:style>
+      </p:cxnSp>
+      <p:cxnSp>
+        <p:nvCxnSpPr>
+          <p:cNvPr id="8" name="Straight Arrow Connector 7">
+            <a:extLst>
+              <a:ext uri="{FF2B5EF4-FFF2-40B4-BE49-F238E27FC236}">
+                <a16:creationId xmlns:a16="http://schemas.microsoft.com/office/drawing/2014/main" id="{1F89E088-16CB-4C46-A228-49600DAB2E69}"/>
+              </a:ext>
+            </a:extLst>
+          </p:cNvPr>
+          <p:cNvCxnSpPr>
+            <a:cxnSpLocks/>
+            <a:stCxn id="3" idx="3"/>
+            <a:endCxn id="4" idx="1"/>
+          </p:cNvCxnSpPr>
+          <p:nvPr/>
+        </p:nvCxnSpPr>
+        <p:spPr>
+          <a:xfrm flipH="1">
+            <a:off x="4932616" y="3434072"/>
+            <a:ext cx="1" cy="0"/>
+          </a:xfrm>
+          <a:prstGeom prst="straightConnector1">
+            <a:avLst/>
+          </a:prstGeom>
+          <a:ln w="19050">
+            <a:solidFill>
+              <a:srgbClr val="004B7D"/>
+            </a:solidFill>
+            <a:tailEnd type="triangle" w="med" len="lg"/>
+          </a:ln>
+        </p:spPr>
+        <p:style>
+          <a:lnRef idx="1">
+            <a:schemeClr val="accent1"/>
+          </a:lnRef>
+          <a:fillRef idx="0">
+            <a:schemeClr val="accent1"/>
+          </a:fillRef>
+          <a:effectRef idx="0">
+            <a:schemeClr val="accent1"/>
+          </a:effectRef>
+          <a:fontRef idx="minor">
+            <a:schemeClr val="tx1"/>
+          </a:fontRef>
+        </p:style>
+      </p:cxnSp>
     </p:spTree>
     <p:extLst>
       <p:ext uri="{BB962C8B-B14F-4D97-AF65-F5344CB8AC3E}">
